--- a/materials/재난관련 선행연구 Review_이요한.pptx
+++ b/materials/재난관련 선행연구 Review_이요한.pptx
@@ -8,7 +8,10 @@
     <p:sldId id="256" r:id="rId2"/>
     <p:sldId id="257" r:id="rId3"/>
     <p:sldId id="259" r:id="rId4"/>
-    <p:sldId id="258" r:id="rId5"/>
+    <p:sldId id="260" r:id="rId5"/>
+    <p:sldId id="261" r:id="rId6"/>
+    <p:sldId id="262" r:id="rId7"/>
+    <p:sldId id="258" r:id="rId8"/>
   </p:sldIdLst>
   <p:sldSz cx="12192000" cy="6858000"/>
   <p:notesSz cx="6858000" cy="9144000"/>
@@ -3478,14 +3481,14 @@
           <p:nvPr>
             <p:extLst>
               <p:ext uri="{D42A27DB-BD31-4B8C-83A1-F6EECF244321}">
-                <p14:modId xmlns:p14="http://schemas.microsoft.com/office/powerpoint/2010/main" val="3945049070"/>
+                <p14:modId xmlns:p14="http://schemas.microsoft.com/office/powerpoint/2010/main" val="464582427"/>
               </p:ext>
             </p:extLst>
           </p:nvPr>
         </p:nvGraphicFramePr>
         <p:xfrm>
           <a:off x="508000" y="1615594"/>
-          <a:ext cx="11175999" cy="4759960"/>
+          <a:ext cx="11175999" cy="4053840"/>
         </p:xfrm>
         <a:graphic>
           <a:graphicData uri="http://schemas.openxmlformats.org/drawingml/2006/table">
@@ -3516,7 +3519,7 @@
                   </a:extLst>
                 </a:gridCol>
               </a:tblGrid>
-              <a:tr h="370840">
+              <a:tr h="351965">
                 <a:tc>
                   <a:txBody>
                     <a:bodyPr/>
@@ -3565,7 +3568,7 @@
                   </a:ext>
                 </a:extLst>
               </a:tr>
-              <a:tr h="370840">
+              <a:tr h="1012503">
                 <a:tc>
                   <a:txBody>
                     <a:bodyPr/>
@@ -3589,7 +3592,7 @@
                         <a:defRPr/>
                       </a:pPr>
                       <a:r>
-                        <a:rPr lang="en-US" altLang="ko-KR" sz="1800" kern="0" spc="0" dirty="0">
+                        <a:rPr lang="en-US" altLang="ko-KR" sz="1600" kern="0" spc="0" dirty="0">
                           <a:solidFill>
                             <a:srgbClr val="000000"/>
                           </a:solidFill>
@@ -3627,7 +3630,7 @@
                         <a:defRPr/>
                       </a:pPr>
                       <a:r>
-                        <a:rPr lang="en-US" altLang="ko-KR" sz="1800" kern="0" spc="0" dirty="0" err="1">
+                        <a:rPr lang="en-US" altLang="ko-KR" sz="1600" kern="0" spc="0" dirty="0" err="1">
                           <a:solidFill>
                             <a:srgbClr val="000000"/>
                           </a:solidFill>
@@ -3639,7 +3642,7 @@
                         <a:t>BiLSTM</a:t>
                       </a:r>
                       <a:r>
-                        <a:rPr lang="en-US" altLang="ko-KR" sz="1800" kern="0" spc="0" dirty="0">
+                        <a:rPr lang="en-US" altLang="ko-KR" sz="1600" kern="0" spc="0" dirty="0">
                           <a:solidFill>
                             <a:srgbClr val="000000"/>
                           </a:solidFill>
@@ -3649,7 +3652,7 @@
                         <a:t> </a:t>
                       </a:r>
                       <a:r>
-                        <a:rPr lang="ko-KR" altLang="en-US" sz="1800" kern="0" dirty="0">
+                        <a:rPr lang="ko-KR" altLang="en-US" sz="1600" kern="0" dirty="0">
                           <a:solidFill>
                             <a:srgbClr val="000000"/>
                           </a:solidFill>
@@ -3659,7 +3662,7 @@
                         <a:t>기반</a:t>
                       </a:r>
                       <a:r>
-                        <a:rPr lang="ko-KR" altLang="en-US" sz="1800" kern="0" dirty="0">
+                        <a:rPr lang="ko-KR" altLang="en-US" sz="1600" kern="0" dirty="0">
                           <a:solidFill>
                             <a:srgbClr val="000000"/>
                           </a:solidFill>
@@ -3668,7 +3671,7 @@
                         <a:t> </a:t>
                       </a:r>
                       <a:r>
-                        <a:rPr lang="ko-KR" altLang="en-US" sz="1800" kern="0" spc="0" dirty="0">
+                        <a:rPr lang="ko-KR" altLang="en-US" sz="1600" kern="0" spc="0" dirty="0">
                           <a:solidFill>
                             <a:srgbClr val="000000"/>
                           </a:solidFill>
@@ -3678,7 +3681,7 @@
                         </a:rPr>
                         <a:t>트위터 메시지가 재난 관련 상황을 안내하는지 여부 테스트</a:t>
                       </a:r>
-                      <a:endParaRPr lang="en-US" altLang="ko-KR" sz="1800" kern="0" spc="0" dirty="0">
+                      <a:endParaRPr lang="en-US" altLang="ko-KR" sz="1600" kern="0" spc="0" dirty="0">
                         <a:solidFill>
                           <a:srgbClr val="000000"/>
                         </a:solidFill>
@@ -3713,7 +3716,7 @@
                         <a:defRPr/>
                       </a:pPr>
                       <a:r>
-                        <a:rPr lang="en-US" altLang="ko-KR" sz="1800" kern="1200" dirty="0">
+                        <a:rPr lang="en-US" altLang="ko-KR" sz="1600" kern="1200" dirty="0">
                           <a:solidFill>
                             <a:schemeClr val="tx1"/>
                           </a:solidFill>
@@ -3725,7 +3728,7 @@
                         <a:t>Natural Language Processing with Disaster Tweets</a:t>
                       </a:r>
                       <a:r>
-                        <a:rPr lang="ko-KR" altLang="en-US" sz="1800" kern="1200" dirty="0">
+                        <a:rPr lang="ko-KR" altLang="en-US" sz="1600" kern="1200" dirty="0">
                           <a:solidFill>
                             <a:schemeClr val="tx1"/>
                           </a:solidFill>
@@ -3737,7 +3740,7 @@
                         <a:t> </a:t>
                       </a:r>
                       <a:r>
-                        <a:rPr lang="en-US" altLang="ko-KR" sz="1800" kern="1200" dirty="0">
+                        <a:rPr lang="en-US" altLang="ko-KR" sz="1600" kern="1200" dirty="0">
                           <a:solidFill>
                             <a:schemeClr val="tx1"/>
                           </a:solidFill>
@@ -3749,7 +3752,7 @@
                         <a:t>(</a:t>
                       </a:r>
                       <a:r>
-                        <a:rPr lang="ko-KR" altLang="en-US" sz="1800" kern="1200" dirty="0">
+                        <a:rPr lang="ko-KR" altLang="en-US" sz="1600" kern="1200" dirty="0">
                           <a:solidFill>
                             <a:schemeClr val="tx1"/>
                           </a:solidFill>
@@ -3761,7 +3764,7 @@
                         <a:t>뒤 내용 참조</a:t>
                       </a:r>
                       <a:r>
-                        <a:rPr lang="en-US" altLang="ko-KR" sz="1800" kern="1200" dirty="0">
+                        <a:rPr lang="en-US" altLang="ko-KR" sz="1600" kern="1200" dirty="0">
                           <a:solidFill>
                             <a:schemeClr val="tx1"/>
                           </a:solidFill>
@@ -3792,7 +3795,7 @@
                         <a:defRPr/>
                       </a:pPr>
                       <a:r>
-                        <a:rPr lang="ko-KR" altLang="en-US" sz="1800" kern="1200" dirty="0">
+                        <a:rPr lang="ko-KR" altLang="en-US" sz="1600" kern="1200" dirty="0">
                           <a:solidFill>
                             <a:schemeClr val="tx1"/>
                           </a:solidFill>
@@ -3803,7 +3806,7 @@
                         </a:rPr>
                         <a:t>재난여부만 단순 판별</a:t>
                       </a:r>
-                      <a:endParaRPr lang="en-US" altLang="ko-KR" sz="1800" kern="1200" dirty="0">
+                      <a:endParaRPr lang="en-US" altLang="ko-KR" sz="1600" kern="1200" dirty="0">
                         <a:solidFill>
                           <a:schemeClr val="tx1"/>
                         </a:solidFill>
@@ -3822,7 +3825,7 @@
                   </a:ext>
                 </a:extLst>
               </a:tr>
-              <a:tr h="370840">
+              <a:tr h="1012503">
                 <a:tc>
                   <a:txBody>
                     <a:bodyPr/>
@@ -3846,7 +3849,7 @@
                         <a:defRPr/>
                       </a:pPr>
                       <a:r>
-                        <a:rPr lang="en-US" altLang="ko-KR" sz="1800" kern="0" spc="0" dirty="0">
+                        <a:rPr lang="en-US" altLang="ko-KR" sz="1600" kern="0" spc="0" dirty="0">
                           <a:solidFill>
                             <a:srgbClr val="000000"/>
                           </a:solidFill>
@@ -3883,7 +3886,7 @@
                         <a:defRPr/>
                       </a:pPr>
                       <a:r>
-                        <a:rPr lang="ko-KR" altLang="en-US" sz="1800" kern="0" dirty="0">
+                        <a:rPr lang="ko-KR" altLang="en-US" sz="1600" kern="0" dirty="0">
                           <a:solidFill>
                             <a:srgbClr val="000000"/>
                           </a:solidFill>
@@ -3893,7 +3896,7 @@
                         <a:t>소셜미디어에서 가져온 텍스트들을 바탕으로 자연재해의 종류와 사람의 신변 여부에 대해 멀티 라벨링이 가능한 모델 </a:t>
                       </a:r>
                       <a:r>
-                        <a:rPr lang="en-US" altLang="ko-KR" sz="1800" kern="0" dirty="0">
+                        <a:rPr lang="en-US" altLang="ko-KR" sz="1600" kern="0" dirty="0">
                           <a:solidFill>
                             <a:srgbClr val="000000"/>
                           </a:solidFill>
@@ -3903,7 +3906,7 @@
                         <a:t>(</a:t>
                       </a:r>
                       <a:r>
-                        <a:rPr lang="ko-KR" altLang="en-US" sz="1800" kern="0" dirty="0">
+                        <a:rPr lang="ko-KR" altLang="en-US" sz="1600" kern="0" dirty="0">
                           <a:solidFill>
                             <a:srgbClr val="000000"/>
                           </a:solidFill>
@@ -3913,7 +3916,7 @@
                         <a:t>자연재해 종류</a:t>
                       </a:r>
                       <a:r>
-                        <a:rPr lang="en-US" altLang="ko-KR" sz="1800" kern="0" dirty="0">
+                        <a:rPr lang="en-US" altLang="ko-KR" sz="1600" kern="0" dirty="0">
                           <a:solidFill>
                             <a:srgbClr val="000000"/>
                           </a:solidFill>
@@ -3923,7 +3926,7 @@
                         <a:t>, </a:t>
                       </a:r>
                       <a:r>
-                        <a:rPr lang="ko-KR" altLang="en-US" sz="1800" kern="0" dirty="0">
+                        <a:rPr lang="ko-KR" altLang="en-US" sz="1600" kern="0" dirty="0">
                           <a:solidFill>
                             <a:srgbClr val="000000"/>
                           </a:solidFill>
@@ -3933,7 +3936,7 @@
                         <a:t>사람의 신변 유형을 동시에 판별함</a:t>
                       </a:r>
                       <a:r>
-                        <a:rPr lang="en-US" altLang="ko-KR" sz="1800" kern="0" dirty="0">
+                        <a:rPr lang="en-US" altLang="ko-KR" sz="1600" kern="0" dirty="0">
                           <a:solidFill>
                             <a:srgbClr val="000000"/>
                           </a:solidFill>
@@ -3969,7 +3972,7 @@
                         <a:defRPr/>
                       </a:pPr>
                       <a:r>
-                        <a:rPr lang="en-US" altLang="ko-KR" sz="1800" kern="1200" dirty="0" err="1">
+                        <a:rPr lang="en-US" altLang="ko-KR" sz="1600" kern="1200" dirty="0" err="1">
                           <a:solidFill>
                             <a:schemeClr val="tx1"/>
                           </a:solidFill>
@@ -3981,7 +3984,7 @@
                         <a:t>CrisisLex</a:t>
                       </a:r>
                       <a:r>
-                        <a:rPr lang="en-US" altLang="ko-KR" sz="1800" kern="1200" dirty="0">
+                        <a:rPr lang="en-US" altLang="ko-KR" sz="1600" kern="1200" dirty="0">
                           <a:solidFill>
                             <a:schemeClr val="tx1"/>
                           </a:solidFill>
@@ -3993,7 +3996,7 @@
                         <a:t>, </a:t>
                       </a:r>
                       <a:r>
-                        <a:rPr lang="en-US" altLang="ko-KR" sz="1800" kern="1200" dirty="0" err="1">
+                        <a:rPr lang="en-US" altLang="ko-KR" sz="1600" kern="1200" dirty="0" err="1">
                           <a:solidFill>
                             <a:schemeClr val="tx1"/>
                           </a:solidFill>
@@ -4005,7 +4008,7 @@
                         <a:t>CrisisMMD</a:t>
                       </a:r>
                       <a:r>
-                        <a:rPr lang="en-US" altLang="ko-KR" sz="1800" kern="1200" dirty="0">
+                        <a:rPr lang="en-US" altLang="ko-KR" sz="1600" kern="1200" dirty="0">
                           <a:solidFill>
                             <a:schemeClr val="tx1"/>
                           </a:solidFill>
@@ -4017,7 +4020,7 @@
                         <a:t>, </a:t>
                       </a:r>
                       <a:r>
-                        <a:rPr lang="en-US" altLang="ko-KR" sz="1800" kern="1200" dirty="0" err="1">
+                        <a:rPr lang="en-US" altLang="ko-KR" sz="1600" kern="1200" dirty="0" err="1">
                           <a:solidFill>
                             <a:schemeClr val="tx1"/>
                           </a:solidFill>
@@ -4029,7 +4032,7 @@
                         <a:t>CrisisNLP</a:t>
                       </a:r>
                       <a:r>
-                        <a:rPr lang="en-US" altLang="ko-KR" sz="1800" kern="1200" dirty="0">
+                        <a:rPr lang="en-US" altLang="ko-KR" sz="1600" kern="1200" dirty="0">
                           <a:solidFill>
                             <a:schemeClr val="tx1"/>
                           </a:solidFill>
@@ -4043,7 +4046,7 @@
                     </a:p>
                     <a:p>
                       <a:pPr latinLnBrk="1"/>
-                      <a:endParaRPr lang="ko-KR" altLang="en-US" dirty="0"/>
+                      <a:endParaRPr lang="ko-KR" altLang="en-US" sz="1600" dirty="0"/>
                     </a:p>
                   </a:txBody>
                   <a:tcPr/>
@@ -4054,7 +4057,7 @@
                   </a:ext>
                 </a:extLst>
               </a:tr>
-              <a:tr h="370840">
+              <a:tr h="1475362">
                 <a:tc>
                   <a:txBody>
                     <a:bodyPr/>
@@ -4078,7 +4081,7 @@
                         <a:defRPr/>
                       </a:pPr>
                       <a:r>
-                        <a:rPr lang="en-US" altLang="ko-KR" sz="1800" kern="0" spc="0" dirty="0">
+                        <a:rPr lang="en-US" altLang="ko-KR" sz="1600" kern="0" spc="0" dirty="0">
                           <a:solidFill>
                             <a:srgbClr val="000000"/>
                           </a:solidFill>
@@ -4092,7 +4095,7 @@
                     </a:p>
                     <a:p>
                       <a:pPr latinLnBrk="1"/>
-                      <a:endParaRPr lang="ko-KR" altLang="en-US" dirty="0"/>
+                      <a:endParaRPr lang="ko-KR" altLang="en-US" sz="1600" dirty="0"/>
                     </a:p>
                   </a:txBody>
                   <a:tcPr/>
@@ -4120,7 +4123,7 @@
                         <a:defRPr/>
                       </a:pPr>
                       <a:r>
-                        <a:rPr lang="ko-KR" altLang="en-US" sz="1800" kern="0" spc="0" dirty="0">
+                        <a:rPr lang="ko-KR" altLang="en-US" sz="1600" kern="0" spc="0" dirty="0">
                           <a:solidFill>
                             <a:srgbClr val="000000"/>
                           </a:solidFill>
@@ -4132,7 +4135,7 @@
                         <a:t>인공지능과 소셜미디어 텍스트의 결합을 통해 재난 상황을 판별할 수 있는 방법에 대한 </a:t>
                       </a:r>
                       <a:r>
-                        <a:rPr lang="en-US" altLang="ko-KR" sz="1800" kern="0" spc="0" dirty="0">
+                        <a:rPr lang="en-US" altLang="ko-KR" sz="1600" kern="0" spc="0" dirty="0">
                           <a:solidFill>
                             <a:srgbClr val="000000"/>
                           </a:solidFill>
@@ -4146,7 +4149,7 @@
                     </a:p>
                     <a:p>
                       <a:pPr latinLnBrk="1"/>
-                      <a:endParaRPr lang="ko-KR" altLang="en-US" dirty="0"/>
+                      <a:endParaRPr lang="ko-KR" altLang="en-US" sz="1600" dirty="0"/>
                     </a:p>
                   </a:txBody>
                   <a:tcPr/>
@@ -4157,7 +4160,7 @@
                     <a:lstStyle/>
                     <a:p>
                       <a:pPr latinLnBrk="1"/>
-                      <a:endParaRPr lang="ko-KR" altLang="en-US" dirty="0"/>
+                      <a:endParaRPr lang="ko-KR" altLang="en-US" sz="1600" dirty="0"/>
                     </a:p>
                   </a:txBody>
                   <a:tcPr/>
@@ -4266,14 +4269,14 @@
           <p:nvPr>
             <p:extLst>
               <p:ext uri="{D42A27DB-BD31-4B8C-83A1-F6EECF244321}">
-                <p14:modId xmlns:p14="http://schemas.microsoft.com/office/powerpoint/2010/main" val="524776748"/>
+                <p14:modId xmlns:p14="http://schemas.microsoft.com/office/powerpoint/2010/main" val="754565811"/>
               </p:ext>
             </p:extLst>
           </p:nvPr>
         </p:nvGraphicFramePr>
         <p:xfrm>
           <a:off x="646545" y="1732915"/>
-          <a:ext cx="11175999" cy="2748280"/>
+          <a:ext cx="11175999" cy="3906520"/>
         </p:xfrm>
         <a:graphic>
           <a:graphicData uri="http://schemas.openxmlformats.org/drawingml/2006/table">
@@ -4360,7 +4363,7 @@
                     <a:lstStyle/>
                     <a:p>
                       <a:r>
-                        <a:rPr lang="en-US" altLang="ko-KR" sz="1800" kern="0" spc="0" dirty="0">
+                        <a:rPr lang="en-US" altLang="ko-KR" sz="1600" kern="0" spc="0" dirty="0">
                           <a:solidFill>
                             <a:srgbClr val="000000"/>
                           </a:solidFill>
@@ -4398,7 +4401,7 @@
                         <a:defRPr/>
                       </a:pPr>
                       <a:r>
-                        <a:rPr lang="en-US" altLang="ko-KR" sz="1800" kern="0" spc="0" dirty="0">
+                        <a:rPr lang="en-US" altLang="ko-KR" sz="1600" kern="0" spc="0" dirty="0">
                           <a:solidFill>
                             <a:srgbClr val="000000"/>
                           </a:solidFill>
@@ -4410,7 +4413,7 @@
                         <a:t>LLM</a:t>
                       </a:r>
                       <a:r>
-                        <a:rPr lang="ko-KR" altLang="en-US" sz="1800" kern="0" spc="0" dirty="0">
+                        <a:rPr lang="ko-KR" altLang="en-US" sz="1600" kern="0" spc="0" dirty="0">
                           <a:solidFill>
                             <a:srgbClr val="000000"/>
                           </a:solidFill>
@@ -4422,7 +4425,7 @@
                         <a:t>인 </a:t>
                       </a:r>
                       <a:r>
-                        <a:rPr lang="en-US" altLang="ko-KR" sz="1800" kern="0" spc="0" dirty="0">
+                        <a:rPr lang="en-US" altLang="ko-KR" sz="1600" kern="0" spc="0" dirty="0">
                           <a:solidFill>
                             <a:srgbClr val="000000"/>
                           </a:solidFill>
@@ -4434,7 +4437,7 @@
                         <a:t>LLaMA2</a:t>
                       </a:r>
                       <a:r>
-                        <a:rPr lang="ko-KR" altLang="en-US" sz="1800" kern="0" spc="0" dirty="0">
+                        <a:rPr lang="ko-KR" altLang="en-US" sz="1600" kern="0" spc="0" dirty="0">
                           <a:solidFill>
                             <a:srgbClr val="000000"/>
                           </a:solidFill>
@@ -4446,7 +4449,7 @@
                         <a:t>와 </a:t>
                       </a:r>
                       <a:r>
-                        <a:rPr lang="en-US" altLang="ko-KR" sz="1800" kern="0" spc="0" dirty="0">
+                        <a:rPr lang="en-US" altLang="ko-KR" sz="1600" kern="0" spc="0" dirty="0">
                           <a:solidFill>
                             <a:srgbClr val="000000"/>
                           </a:solidFill>
@@ -4458,7 +4461,7 @@
                         <a:t>Mistral </a:t>
                       </a:r>
                       <a:r>
-                        <a:rPr lang="ko-KR" altLang="en-US" sz="1800" kern="0" spc="0" dirty="0">
+                        <a:rPr lang="ko-KR" altLang="en-US" sz="1600" kern="0" spc="0" dirty="0">
                           <a:solidFill>
                             <a:srgbClr val="000000"/>
                           </a:solidFill>
@@ -4470,7 +4473,7 @@
                         <a:t>그 자체를 </a:t>
                       </a:r>
                       <a:r>
-                        <a:rPr lang="ko-KR" altLang="en-US" sz="1800" kern="0" spc="0" dirty="0" err="1">
+                        <a:rPr lang="ko-KR" altLang="en-US" sz="1600" kern="0" spc="0" dirty="0" err="1">
                           <a:solidFill>
                             <a:srgbClr val="000000"/>
                           </a:solidFill>
@@ -4482,7 +4485,7 @@
                         <a:t>파인튜닝해서</a:t>
                       </a:r>
                       <a:r>
-                        <a:rPr lang="ko-KR" altLang="en-US" sz="1800" kern="0" spc="0" dirty="0">
+                        <a:rPr lang="ko-KR" altLang="en-US" sz="1600" kern="0" spc="0" dirty="0">
                           <a:solidFill>
                             <a:srgbClr val="000000"/>
                           </a:solidFill>
@@ -4494,7 +4497,7 @@
                         <a:t> </a:t>
                       </a:r>
                       <a:r>
-                        <a:rPr lang="en-US" altLang="ko-KR" sz="1800" kern="0" spc="0" dirty="0">
+                        <a:rPr lang="en-US" altLang="ko-KR" sz="1600" kern="0" spc="0" dirty="0">
                           <a:solidFill>
                             <a:srgbClr val="000000"/>
                           </a:solidFill>
@@ -4506,7 +4509,7 @@
                         <a:t>Turkey </a:t>
                       </a:r>
                       <a:r>
-                        <a:rPr lang="ko-KR" altLang="en-US" sz="1800" kern="0" spc="0" dirty="0">
+                        <a:rPr lang="ko-KR" altLang="en-US" sz="1600" kern="0" spc="0" dirty="0">
                           <a:solidFill>
                             <a:srgbClr val="000000"/>
                           </a:solidFill>
@@ -4544,7 +4547,7 @@
                         <a:defRPr/>
                       </a:pPr>
                       <a:r>
-                        <a:rPr lang="en-US" altLang="ko-KR" sz="1800" b="0" kern="1200" dirty="0">
+                        <a:rPr lang="en-US" altLang="ko-KR" sz="1600" b="0" kern="1200" dirty="0">
                           <a:solidFill>
                             <a:schemeClr val="tx1"/>
                           </a:solidFill>
@@ -4575,7 +4578,7 @@
                         <a:defRPr/>
                       </a:pPr>
                       <a:r>
-                        <a:rPr lang="en-US" altLang="ko-KR" sz="1800" b="0" kern="1200" dirty="0">
+                        <a:rPr lang="en-US" altLang="ko-KR" sz="1600" b="0" kern="1200" dirty="0">
                           <a:solidFill>
                             <a:schemeClr val="tx1"/>
                           </a:solidFill>
@@ -4605,7 +4608,7 @@
                         <a:tabLst/>
                         <a:defRPr/>
                       </a:pPr>
-                      <a:endParaRPr lang="en-US" altLang="ko-KR" sz="1800" b="1" kern="1200" dirty="0">
+                      <a:endParaRPr lang="en-US" altLang="ko-KR" sz="1600" b="1" kern="1200" dirty="0">
                         <a:solidFill>
                           <a:schemeClr val="tx1"/>
                         </a:solidFill>
@@ -4648,7 +4651,7 @@
                         <a:defRPr/>
                       </a:pPr>
                       <a:r>
-                        <a:rPr lang="en-US" altLang="ko-KR" sz="1800" kern="0" spc="0" dirty="0">
+                        <a:rPr lang="en-US" altLang="ko-KR" sz="1600" kern="0" spc="0" dirty="0">
                           <a:solidFill>
                             <a:srgbClr val="000000"/>
                           </a:solidFill>
@@ -4659,7 +4662,7 @@
                         </a:rPr>
                         <a:t>Disaster Image Classification by Fusing Multimodal Social Media Data</a:t>
                       </a:r>
-                      <a:endParaRPr lang="en-US" altLang="ko-KR" sz="1800" kern="0" spc="0" dirty="0">
+                      <a:endParaRPr lang="en-US" altLang="ko-KR" sz="1600" kern="0" spc="0" dirty="0">
                         <a:solidFill>
                           <a:srgbClr val="000000"/>
                         </a:solidFill>
@@ -4694,7 +4697,7 @@
                         <a:defRPr/>
                       </a:pPr>
                       <a:r>
-                        <a:rPr lang="ko-KR" altLang="en-US" sz="1800" kern="0" dirty="0">
+                        <a:rPr lang="ko-KR" altLang="en-US" sz="1600" kern="0" dirty="0">
                           <a:solidFill>
                             <a:srgbClr val="000000"/>
                           </a:solidFill>
@@ -4704,7 +4707,7 @@
                         <a:t>소셜 미디어 데이터의 </a:t>
                       </a:r>
                       <a:r>
-                        <a:rPr lang="ko-KR" altLang="en-US" sz="1800" kern="0" dirty="0" err="1">
+                        <a:rPr lang="ko-KR" altLang="en-US" sz="1600" kern="0" dirty="0" err="1">
                           <a:solidFill>
                             <a:srgbClr val="000000"/>
                           </a:solidFill>
@@ -4714,7 +4717,7 @@
                         <a:t>멀티모달</a:t>
                       </a:r>
                       <a:r>
-                        <a:rPr lang="ko-KR" altLang="en-US" sz="1800" kern="0" dirty="0">
+                        <a:rPr lang="ko-KR" altLang="en-US" sz="1600" kern="0" dirty="0">
                           <a:solidFill>
                             <a:srgbClr val="000000"/>
                           </a:solidFill>
@@ -4734,7 +4737,7 @@
                     <a:p>
                       <a:pPr fontAlgn="base" latinLnBrk="1"/>
                       <a:r>
-                        <a:rPr lang="en-US" altLang="ko-KR" sz="1800" kern="1200" dirty="0" err="1">
+                        <a:rPr lang="en-US" altLang="ko-KR" sz="1600" kern="1200" dirty="0" err="1">
                           <a:solidFill>
                             <a:schemeClr val="tx1"/>
                           </a:solidFill>
@@ -4746,7 +4749,7 @@
                         <a:t>CrisisMMD</a:t>
                       </a:r>
                       <a:r>
-                        <a:rPr lang="en-US" altLang="ko-KR" sz="1800" kern="1200" dirty="0">
+                        <a:rPr lang="en-US" altLang="ko-KR" sz="1600" kern="1200" dirty="0">
                           <a:solidFill>
                             <a:schemeClr val="tx1"/>
                           </a:solidFill>
@@ -4758,7 +4761,7 @@
                         <a:t> </a:t>
                       </a:r>
                       <a:r>
-                        <a:rPr lang="ko-KR" altLang="en-US" sz="1800" kern="1200" dirty="0">
+                        <a:rPr lang="ko-KR" altLang="en-US" sz="1600" kern="1200" dirty="0">
                           <a:solidFill>
                             <a:schemeClr val="tx1"/>
                           </a:solidFill>
@@ -4770,7 +4773,7 @@
                         <a:t>데이터셋 </a:t>
                       </a:r>
                       <a:r>
-                        <a:rPr lang="en-US" altLang="ko-KR" sz="1800" kern="1200" dirty="0">
+                        <a:rPr lang="en-US" altLang="ko-KR" sz="1600" kern="1200" dirty="0">
                           <a:solidFill>
                             <a:schemeClr val="tx1"/>
                           </a:solidFill>
@@ -4782,7 +4785,7 @@
                         <a:t>(</a:t>
                       </a:r>
                       <a:r>
-                        <a:rPr lang="ko-KR" altLang="en-US" sz="1800" kern="1200" dirty="0">
+                        <a:rPr lang="ko-KR" altLang="en-US" sz="1600" kern="1200" dirty="0">
                           <a:solidFill>
                             <a:schemeClr val="tx1"/>
                           </a:solidFill>
@@ -4794,7 +4797,7 @@
                         <a:t>사진 </a:t>
                       </a:r>
                       <a:r>
-                        <a:rPr lang="en-US" altLang="ko-KR" sz="1800" kern="1200" dirty="0">
+                        <a:rPr lang="en-US" altLang="ko-KR" sz="1600" kern="1200" dirty="0">
                           <a:solidFill>
                             <a:schemeClr val="tx1"/>
                           </a:solidFill>
@@ -4806,7 +4809,7 @@
                         <a:t>+ </a:t>
                       </a:r>
                       <a:r>
-                        <a:rPr lang="ko-KR" altLang="en-US" sz="1800" kern="1200" dirty="0">
+                        <a:rPr lang="ko-KR" altLang="en-US" sz="1600" kern="1200" dirty="0">
                           <a:solidFill>
                             <a:schemeClr val="tx1"/>
                           </a:solidFill>
@@ -4818,7 +4821,7 @@
                         <a:t>텍스트 병기</a:t>
                       </a:r>
                       <a:r>
-                        <a:rPr lang="en-US" altLang="ko-KR" sz="1800" kern="1200" dirty="0">
+                        <a:rPr lang="en-US" altLang="ko-KR" sz="1600" kern="1200" dirty="0">
                           <a:solidFill>
                             <a:schemeClr val="tx1"/>
                           </a:solidFill>
@@ -4829,7 +4832,7 @@
                         </a:rPr>
                         <a:t>)</a:t>
                       </a:r>
-                      <a:endParaRPr lang="ko-KR" altLang="en-US" sz="1800" kern="1200" dirty="0">
+                      <a:endParaRPr lang="ko-KR" altLang="en-US" sz="1600" kern="1200" dirty="0">
                         <a:solidFill>
                           <a:schemeClr val="tx1"/>
                         </a:solidFill>
@@ -4845,6 +4848,564 @@
                 <a:extLst>
                   <a:ext uri="{0D108BD9-81ED-4DB2-BD59-A6C34878D82A}">
                     <a16:rowId xmlns:a16="http://schemas.microsoft.com/office/drawing/2014/main" val="87889747"/>
+                  </a:ext>
+                </a:extLst>
+              </a:tr>
+              <a:tr h="370840">
+                <a:tc>
+                  <a:txBody>
+                    <a:bodyPr/>
+                    <a:lstStyle/>
+                    <a:p>
+                      <a:pPr marL="0" marR="0" lvl="0" indent="0" algn="l" defTabSz="914400" rtl="0" eaLnBrk="1" fontAlgn="auto" latinLnBrk="1" hangingPunct="1">
+                        <a:lnSpc>
+                          <a:spcPct val="100000"/>
+                        </a:lnSpc>
+                        <a:spcBef>
+                          <a:spcPts val="0"/>
+                        </a:spcBef>
+                        <a:spcAft>
+                          <a:spcPts val="0"/>
+                        </a:spcAft>
+                        <a:buClrTx/>
+                        <a:buSzTx/>
+                        <a:buFontTx/>
+                        <a:buNone/>
+                        <a:tabLst/>
+                        <a:defRPr/>
+                      </a:pPr>
+                      <a:r>
+                        <a:rPr lang="en-US" altLang="ko-KR" sz="1600" dirty="0" err="1"/>
+                        <a:t>FloodBrain</a:t>
+                      </a:r>
+                      <a:r>
+                        <a:rPr lang="en-US" altLang="ko-KR" sz="1600" dirty="0"/>
+                        <a:t>: Flood Disaster Reporting by Web-based Retrieval Augmented Generation with an LLM</a:t>
+                      </a:r>
+                      <a:endParaRPr lang="en-US" altLang="ko-KR" sz="1600" kern="0" spc="0" dirty="0">
+                        <a:solidFill>
+                          <a:srgbClr val="000000"/>
+                        </a:solidFill>
+                        <a:effectLst/>
+                        <a:latin typeface="맑은 고딕" panose="020B0503020000020004" pitchFamily="50" charset="-127"/>
+                        <a:ea typeface="+mn-ea"/>
+                      </a:endParaRPr>
+                    </a:p>
+                  </a:txBody>
+                  <a:tcPr/>
+                </a:tc>
+                <a:tc>
+                  <a:txBody>
+                    <a:bodyPr/>
+                    <a:lstStyle/>
+                    <a:p>
+                      <a:pPr marL="0" marR="0" lvl="0" indent="0" algn="l" defTabSz="914400" rtl="0" eaLnBrk="1" fontAlgn="auto" latinLnBrk="1" hangingPunct="1">
+                        <a:lnSpc>
+                          <a:spcPct val="100000"/>
+                        </a:lnSpc>
+                        <a:spcBef>
+                          <a:spcPts val="0"/>
+                        </a:spcBef>
+                        <a:spcAft>
+                          <a:spcPts val="0"/>
+                        </a:spcAft>
+                        <a:buClrTx/>
+                        <a:buSzTx/>
+                        <a:buFontTx/>
+                        <a:buNone/>
+                        <a:tabLst/>
+                        <a:defRPr/>
+                      </a:pPr>
+                      <a:r>
+                        <a:rPr lang="en-US" altLang="ko-KR" sz="1600" kern="0" dirty="0">
+                          <a:solidFill>
+                            <a:srgbClr val="000000"/>
+                          </a:solidFill>
+                          <a:latin typeface="맑은 고딕" panose="020B0503020000020004" pitchFamily="50" charset="-127"/>
+                          <a:ea typeface="+mn-ea"/>
+                        </a:rPr>
+                        <a:t>LLM</a:t>
+                      </a:r>
+                      <a:r>
+                        <a:rPr lang="ko-KR" altLang="en-US" sz="1600" kern="0" dirty="0">
+                          <a:solidFill>
+                            <a:srgbClr val="000000"/>
+                          </a:solidFill>
+                          <a:latin typeface="맑은 고딕" panose="020B0503020000020004" pitchFamily="50" charset="-127"/>
+                          <a:ea typeface="+mn-ea"/>
+                        </a:rPr>
+                        <a:t> </a:t>
+                      </a:r>
+                      <a:r>
+                        <a:rPr lang="en-US" altLang="ko-KR" sz="1600" kern="0" dirty="0">
+                          <a:solidFill>
+                            <a:srgbClr val="000000"/>
+                          </a:solidFill>
+                          <a:latin typeface="맑은 고딕" panose="020B0503020000020004" pitchFamily="50" charset="-127"/>
+                          <a:ea typeface="+mn-ea"/>
+                        </a:rPr>
+                        <a:t>(GPT-4 </a:t>
+                      </a:r>
+                      <a:r>
+                        <a:rPr lang="ko-KR" altLang="en-US" sz="1600" kern="0" dirty="0">
+                          <a:solidFill>
+                            <a:srgbClr val="000000"/>
+                          </a:solidFill>
+                          <a:latin typeface="맑은 고딕" panose="020B0503020000020004" pitchFamily="50" charset="-127"/>
+                          <a:ea typeface="+mn-ea"/>
+                        </a:rPr>
+                        <a:t>등</a:t>
+                      </a:r>
+                      <a:r>
+                        <a:rPr lang="en-US" altLang="ko-KR" sz="1600" kern="0" dirty="0">
+                          <a:solidFill>
+                            <a:srgbClr val="000000"/>
+                          </a:solidFill>
+                          <a:latin typeface="맑은 고딕" panose="020B0503020000020004" pitchFamily="50" charset="-127"/>
+                          <a:ea typeface="+mn-ea"/>
+                        </a:rPr>
+                        <a:t>) </a:t>
+                      </a:r>
+                      <a:r>
+                        <a:rPr lang="ko-KR" altLang="en-US" sz="1600" kern="0" dirty="0">
+                          <a:solidFill>
+                            <a:srgbClr val="000000"/>
+                          </a:solidFill>
+                          <a:latin typeface="맑은 고딕" panose="020B0503020000020004" pitchFamily="50" charset="-127"/>
+                          <a:ea typeface="+mn-ea"/>
+                        </a:rPr>
+                        <a:t>기반의 모델을 이용해 홍수 관련 재난 기사 등을 받아서 보고서</a:t>
+                      </a:r>
+                      <a:r>
+                        <a:rPr lang="en-US" altLang="ko-KR" sz="1600" kern="0" dirty="0">
+                          <a:solidFill>
+                            <a:srgbClr val="000000"/>
+                          </a:solidFill>
+                          <a:latin typeface="맑은 고딕" panose="020B0503020000020004" pitchFamily="50" charset="-127"/>
+                          <a:ea typeface="+mn-ea"/>
+                        </a:rPr>
+                        <a:t>(report) </a:t>
+                      </a:r>
+                      <a:r>
+                        <a:rPr lang="ko-KR" altLang="en-US" sz="1600" kern="0" dirty="0">
+                          <a:solidFill>
+                            <a:srgbClr val="000000"/>
+                          </a:solidFill>
+                          <a:latin typeface="맑은 고딕" panose="020B0503020000020004" pitchFamily="50" charset="-127"/>
+                          <a:ea typeface="+mn-ea"/>
+                        </a:rPr>
+                        <a:t>형식으로  정리하는 모델 만들기</a:t>
+                      </a:r>
+                    </a:p>
+                  </a:txBody>
+                  <a:tcPr/>
+                </a:tc>
+                <a:tc>
+                  <a:txBody>
+                    <a:bodyPr/>
+                    <a:lstStyle/>
+                    <a:p>
+                      <a:pPr fontAlgn="base" latinLnBrk="1"/>
+                      <a:r>
+                        <a:rPr lang="en-US" altLang="ko-KR" sz="1600" kern="1200" dirty="0">
+                          <a:solidFill>
+                            <a:schemeClr val="tx1"/>
+                          </a:solidFill>
+                          <a:effectLst/>
+                          <a:latin typeface="+mn-lt"/>
+                          <a:ea typeface="+mn-ea"/>
+                          <a:cs typeface="+mn-cs"/>
+                        </a:rPr>
+                        <a:t>(</a:t>
+                      </a:r>
+                      <a:r>
+                        <a:rPr lang="ko-KR" altLang="en-US" sz="1600" kern="1200" dirty="0">
+                          <a:solidFill>
+                            <a:schemeClr val="tx1"/>
+                          </a:solidFill>
+                          <a:effectLst/>
+                          <a:latin typeface="+mn-lt"/>
+                          <a:ea typeface="+mn-ea"/>
+                          <a:cs typeface="+mn-cs"/>
+                        </a:rPr>
+                        <a:t>홍수 관련 외부 기사</a:t>
+                      </a:r>
+                      <a:r>
+                        <a:rPr lang="en-US" altLang="ko-KR" sz="1600" kern="1200" dirty="0">
+                          <a:solidFill>
+                            <a:schemeClr val="tx1"/>
+                          </a:solidFill>
+                          <a:effectLst/>
+                          <a:latin typeface="+mn-lt"/>
+                          <a:ea typeface="+mn-ea"/>
+                          <a:cs typeface="+mn-cs"/>
+                        </a:rPr>
+                        <a:t>)</a:t>
+                      </a:r>
+                      <a:endParaRPr lang="ko-KR" altLang="en-US" sz="1600" kern="1200" dirty="0">
+                        <a:solidFill>
+                          <a:schemeClr val="tx1"/>
+                        </a:solidFill>
+                        <a:effectLst/>
+                        <a:latin typeface="+mn-lt"/>
+                        <a:ea typeface="+mn-ea"/>
+                        <a:cs typeface="+mn-cs"/>
+                      </a:endParaRPr>
+                    </a:p>
+                  </a:txBody>
+                  <a:tcPr/>
+                </a:tc>
+                <a:extLst>
+                  <a:ext uri="{0D108BD9-81ED-4DB2-BD59-A6C34878D82A}">
+                    <a16:rowId xmlns:a16="http://schemas.microsoft.com/office/drawing/2014/main" val="2761003537"/>
+                  </a:ext>
+                </a:extLst>
+              </a:tr>
+              <a:tr h="370840">
+                <a:tc>
+                  <a:txBody>
+                    <a:bodyPr/>
+                    <a:lstStyle/>
+                    <a:p>
+                      <a:pPr marL="0" marR="0" lvl="0" indent="0" algn="l" defTabSz="914400" rtl="0" eaLnBrk="1" fontAlgn="auto" latinLnBrk="1" hangingPunct="1">
+                        <a:lnSpc>
+                          <a:spcPct val="100000"/>
+                        </a:lnSpc>
+                        <a:spcBef>
+                          <a:spcPts val="0"/>
+                        </a:spcBef>
+                        <a:spcAft>
+                          <a:spcPts val="0"/>
+                        </a:spcAft>
+                        <a:buClrTx/>
+                        <a:buSzTx/>
+                        <a:buFontTx/>
+                        <a:buNone/>
+                        <a:tabLst/>
+                        <a:defRPr/>
+                      </a:pPr>
+                      <a:r>
+                        <a:rPr lang="en-US" altLang="ko-KR" sz="1600" dirty="0" err="1"/>
+                        <a:t>CrisisSense</a:t>
+                      </a:r>
+                      <a:r>
+                        <a:rPr lang="en-US" altLang="ko-KR" sz="1600" dirty="0"/>
+                        <a:t>-LLM: Instruction Fine-Tuned Large Language Model for Multi-label Social Media Text Classification in Disaster Informatics</a:t>
+                      </a:r>
+                      <a:endParaRPr lang="en-US" altLang="ko-KR" sz="1600" kern="0" spc="0" dirty="0">
+                        <a:solidFill>
+                          <a:srgbClr val="000000"/>
+                        </a:solidFill>
+                        <a:effectLst/>
+                        <a:latin typeface="맑은 고딕" panose="020B0503020000020004" pitchFamily="50" charset="-127"/>
+                        <a:ea typeface="+mn-ea"/>
+                      </a:endParaRPr>
+                    </a:p>
+                  </a:txBody>
+                  <a:tcPr/>
+                </a:tc>
+                <a:tc>
+                  <a:txBody>
+                    <a:bodyPr/>
+                    <a:lstStyle/>
+                    <a:p>
+                      <a:pPr marL="0" marR="0" lvl="0" indent="0" algn="l" defTabSz="914400" rtl="0" eaLnBrk="1" fontAlgn="auto" latinLnBrk="1" hangingPunct="1">
+                        <a:lnSpc>
+                          <a:spcPct val="100000"/>
+                        </a:lnSpc>
+                        <a:spcBef>
+                          <a:spcPts val="0"/>
+                        </a:spcBef>
+                        <a:spcAft>
+                          <a:spcPts val="0"/>
+                        </a:spcAft>
+                        <a:buClrTx/>
+                        <a:buSzTx/>
+                        <a:buFontTx/>
+                        <a:buNone/>
+                        <a:tabLst/>
+                        <a:defRPr/>
+                      </a:pPr>
+                      <a:r>
+                        <a:rPr lang="ko-KR" altLang="en-US" sz="1600" kern="0" dirty="0" err="1">
+                          <a:solidFill>
+                            <a:srgbClr val="000000"/>
+                          </a:solidFill>
+                          <a:latin typeface="맑은 고딕" panose="020B0503020000020004" pitchFamily="50" charset="-127"/>
+                          <a:ea typeface="+mn-ea"/>
+                        </a:rPr>
+                        <a:t>선학습된</a:t>
+                      </a:r>
+                      <a:r>
+                        <a:rPr lang="ko-KR" altLang="en-US" sz="1600" kern="0" dirty="0">
+                          <a:solidFill>
+                            <a:srgbClr val="000000"/>
+                          </a:solidFill>
+                          <a:latin typeface="맑은 고딕" panose="020B0503020000020004" pitchFamily="50" charset="-127"/>
+                          <a:ea typeface="+mn-ea"/>
+                        </a:rPr>
+                        <a:t> </a:t>
+                      </a:r>
+                      <a:r>
+                        <a:rPr lang="en-US" altLang="ko-KR" sz="1600" kern="0" dirty="0">
+                          <a:solidFill>
+                            <a:srgbClr val="000000"/>
+                          </a:solidFill>
+                          <a:latin typeface="맑은 고딕" panose="020B0503020000020004" pitchFamily="50" charset="-127"/>
+                          <a:ea typeface="+mn-ea"/>
+                        </a:rPr>
+                        <a:t>LLM</a:t>
+                      </a:r>
+                      <a:r>
+                        <a:rPr lang="ko-KR" altLang="en-US" sz="1600" kern="0" dirty="0">
+                          <a:solidFill>
+                            <a:srgbClr val="000000"/>
+                          </a:solidFill>
+                          <a:latin typeface="맑은 고딕" panose="020B0503020000020004" pitchFamily="50" charset="-127"/>
+                          <a:ea typeface="+mn-ea"/>
+                        </a:rPr>
+                        <a:t>을 이용해서 주어진 트위터 텍스트에서 재난관련 유형</a:t>
+                      </a:r>
+                      <a:r>
+                        <a:rPr lang="en-US" altLang="ko-KR" sz="1600" kern="0" dirty="0">
+                          <a:solidFill>
+                            <a:srgbClr val="000000"/>
+                          </a:solidFill>
+                          <a:latin typeface="맑은 고딕" panose="020B0503020000020004" pitchFamily="50" charset="-127"/>
+                          <a:ea typeface="+mn-ea"/>
+                        </a:rPr>
+                        <a:t>,</a:t>
+                      </a:r>
+                      <a:r>
+                        <a:rPr lang="ko-KR" altLang="en-US" sz="1600" kern="0" dirty="0">
+                          <a:solidFill>
+                            <a:srgbClr val="000000"/>
+                          </a:solidFill>
+                          <a:latin typeface="맑은 고딕" panose="020B0503020000020004" pitchFamily="50" charset="-127"/>
+                          <a:ea typeface="+mn-ea"/>
+                        </a:rPr>
+                        <a:t> </a:t>
+                      </a:r>
+                      <a:r>
+                        <a:rPr lang="en-US" altLang="ko-KR" sz="1600" kern="0" dirty="0">
+                          <a:solidFill>
+                            <a:srgbClr val="000000"/>
+                          </a:solidFill>
+                          <a:latin typeface="맑은 고딕" panose="020B0503020000020004" pitchFamily="50" charset="-127"/>
+                          <a:ea typeface="+mn-ea"/>
+                        </a:rPr>
+                        <a:t>informative</a:t>
+                      </a:r>
+                      <a:r>
+                        <a:rPr lang="ko-KR" altLang="en-US" sz="1600" kern="0" dirty="0">
+                          <a:solidFill>
+                            <a:srgbClr val="000000"/>
+                          </a:solidFill>
+                          <a:latin typeface="맑은 고딕" panose="020B0503020000020004" pitchFamily="50" charset="-127"/>
+                          <a:ea typeface="+mn-ea"/>
+                        </a:rPr>
+                        <a:t> 여부</a:t>
+                      </a:r>
+                      <a:r>
+                        <a:rPr lang="en-US" altLang="ko-KR" sz="1600" kern="0" dirty="0">
+                          <a:solidFill>
+                            <a:srgbClr val="000000"/>
+                          </a:solidFill>
+                          <a:latin typeface="맑은 고딕" panose="020B0503020000020004" pitchFamily="50" charset="-127"/>
+                          <a:ea typeface="+mn-ea"/>
+                        </a:rPr>
+                        <a:t>, </a:t>
+                      </a:r>
+                      <a:r>
+                        <a:rPr lang="ko-KR" altLang="en-US" sz="1600" kern="0" dirty="0">
+                          <a:solidFill>
+                            <a:srgbClr val="000000"/>
+                          </a:solidFill>
+                          <a:latin typeface="맑은 고딕" panose="020B0503020000020004" pitchFamily="50" charset="-127"/>
+                          <a:ea typeface="+mn-ea"/>
+                        </a:rPr>
+                        <a:t>사람 신변 관련 정보를 동시에 분류하는 모델</a:t>
+                      </a:r>
+                      <a:r>
+                        <a:rPr lang="en-US" altLang="ko-KR" sz="1600" kern="0" dirty="0">
+                          <a:solidFill>
+                            <a:srgbClr val="000000"/>
+                          </a:solidFill>
+                          <a:latin typeface="맑은 고딕" panose="020B0503020000020004" pitchFamily="50" charset="-127"/>
+                          <a:ea typeface="+mn-ea"/>
+                        </a:rPr>
+                        <a:t>(</a:t>
+                      </a:r>
+                      <a:r>
+                        <a:rPr lang="ko-KR" altLang="en-US" sz="1600" kern="0" dirty="0" err="1">
+                          <a:solidFill>
+                            <a:srgbClr val="000000"/>
+                          </a:solidFill>
+                          <a:latin typeface="맑은 고딕" panose="020B0503020000020004" pitchFamily="50" charset="-127"/>
+                          <a:ea typeface="+mn-ea"/>
+                        </a:rPr>
+                        <a:t>멀티태스크</a:t>
+                      </a:r>
+                      <a:r>
+                        <a:rPr lang="ko-KR" altLang="en-US" sz="1600" kern="0" dirty="0">
+                          <a:solidFill>
+                            <a:srgbClr val="000000"/>
+                          </a:solidFill>
+                          <a:latin typeface="맑은 고딕" panose="020B0503020000020004" pitchFamily="50" charset="-127"/>
+                          <a:ea typeface="+mn-ea"/>
+                        </a:rPr>
+                        <a:t> 학습</a:t>
+                      </a:r>
+                      <a:r>
+                        <a:rPr lang="en-US" altLang="ko-KR" sz="1600" kern="0" dirty="0">
+                          <a:solidFill>
+                            <a:srgbClr val="000000"/>
+                          </a:solidFill>
+                          <a:latin typeface="맑은 고딕" panose="020B0503020000020004" pitchFamily="50" charset="-127"/>
+                          <a:ea typeface="+mn-ea"/>
+                        </a:rPr>
+                        <a:t>)</a:t>
+                      </a:r>
+                      <a:r>
+                        <a:rPr lang="ko-KR" altLang="en-US" sz="1600" kern="0" dirty="0">
+                          <a:solidFill>
+                            <a:srgbClr val="000000"/>
+                          </a:solidFill>
+                          <a:latin typeface="맑은 고딕" panose="020B0503020000020004" pitchFamily="50" charset="-127"/>
+                          <a:ea typeface="+mn-ea"/>
+                        </a:rPr>
+                        <a:t> 만들기</a:t>
+                      </a:r>
+                      <a:r>
+                        <a:rPr lang="en-US" altLang="ko-KR" sz="1600" kern="0" dirty="0">
+                          <a:solidFill>
+                            <a:srgbClr val="000000"/>
+                          </a:solidFill>
+                          <a:latin typeface="맑은 고딕" panose="020B0503020000020004" pitchFamily="50" charset="-127"/>
+                          <a:ea typeface="+mn-ea"/>
+                        </a:rPr>
+                        <a:t>.</a:t>
+                      </a:r>
+                      <a:r>
+                        <a:rPr lang="ko-KR" altLang="en-US" sz="1600" kern="0" dirty="0">
+                          <a:solidFill>
+                            <a:srgbClr val="000000"/>
+                          </a:solidFill>
+                          <a:latin typeface="맑은 고딕" panose="020B0503020000020004" pitchFamily="50" charset="-127"/>
+                          <a:ea typeface="+mn-ea"/>
+                        </a:rPr>
+                        <a:t> </a:t>
+                      </a:r>
+                    </a:p>
+                  </a:txBody>
+                  <a:tcPr/>
+                </a:tc>
+                <a:tc>
+                  <a:txBody>
+                    <a:bodyPr/>
+                    <a:lstStyle/>
+                    <a:p>
+                      <a:pPr fontAlgn="base" latinLnBrk="1"/>
+                      <a:r>
+                        <a:rPr lang="en-US" altLang="ko-KR" sz="1600" kern="1200" dirty="0" err="1">
+                          <a:solidFill>
+                            <a:schemeClr val="tx1"/>
+                          </a:solidFill>
+                          <a:effectLst/>
+                          <a:latin typeface="+mn-lt"/>
+                          <a:ea typeface="+mn-ea"/>
+                          <a:cs typeface="+mn-cs"/>
+                        </a:rPr>
+                        <a:t>CrisisBench</a:t>
+                      </a:r>
+                      <a:r>
+                        <a:rPr lang="ko-KR" altLang="en-US" sz="1600" kern="1200" dirty="0">
+                          <a:solidFill>
+                            <a:schemeClr val="tx1"/>
+                          </a:solidFill>
+                          <a:effectLst/>
+                          <a:latin typeface="+mn-lt"/>
+                          <a:ea typeface="+mn-ea"/>
+                          <a:cs typeface="+mn-cs"/>
+                        </a:rPr>
+                        <a:t>재난 관련 트윗들</a:t>
+                      </a:r>
+                      <a:r>
+                        <a:rPr lang="en-US" altLang="ko-KR" sz="1600" kern="1200" dirty="0">
+                          <a:solidFill>
+                            <a:schemeClr val="tx1"/>
+                          </a:solidFill>
+                          <a:effectLst/>
+                          <a:latin typeface="+mn-lt"/>
+                          <a:ea typeface="+mn-ea"/>
+                          <a:cs typeface="+mn-cs"/>
+                        </a:rPr>
+                        <a:t> (fine-</a:t>
+                      </a:r>
+                      <a:r>
+                        <a:rPr lang="en-US" altLang="ko-KR" sz="1600" kern="1200" dirty="0" err="1">
+                          <a:solidFill>
+                            <a:schemeClr val="tx1"/>
+                          </a:solidFill>
+                          <a:effectLst/>
+                          <a:latin typeface="+mn-lt"/>
+                          <a:ea typeface="+mn-ea"/>
+                          <a:cs typeface="+mn-cs"/>
+                        </a:rPr>
+                        <a:t>tunin</a:t>
+                      </a:r>
+                      <a:r>
+                        <a:rPr lang="ko-KR" altLang="en-US" sz="1600" kern="1200" dirty="0">
+                          <a:solidFill>
+                            <a:schemeClr val="tx1"/>
+                          </a:solidFill>
+                          <a:effectLst/>
+                          <a:latin typeface="+mn-lt"/>
+                          <a:ea typeface="+mn-ea"/>
+                          <a:cs typeface="+mn-cs"/>
+                        </a:rPr>
+                        <a:t>에 활용</a:t>
+                      </a:r>
+                      <a:r>
+                        <a:rPr lang="en-US" altLang="ko-KR" sz="1600" kern="1200" dirty="0">
+                          <a:solidFill>
+                            <a:schemeClr val="tx1"/>
+                          </a:solidFill>
+                          <a:effectLst/>
+                          <a:latin typeface="+mn-lt"/>
+                          <a:ea typeface="+mn-ea"/>
+                          <a:cs typeface="+mn-cs"/>
+                        </a:rPr>
+                        <a:t>),</a:t>
+                      </a:r>
+                      <a:r>
+                        <a:rPr lang="ko-KR" altLang="en-US" sz="1600" kern="1200" dirty="0">
+                          <a:solidFill>
+                            <a:schemeClr val="tx1"/>
+                          </a:solidFill>
+                          <a:effectLst/>
+                          <a:latin typeface="+mn-lt"/>
+                          <a:ea typeface="+mn-ea"/>
+                          <a:cs typeface="+mn-cs"/>
+                        </a:rPr>
+                        <a:t> </a:t>
+                      </a:r>
+                      <a:endParaRPr lang="en-US" altLang="ko-KR" sz="1600" kern="1200" dirty="0">
+                        <a:solidFill>
+                          <a:schemeClr val="tx1"/>
+                        </a:solidFill>
+                        <a:effectLst/>
+                        <a:latin typeface="+mn-lt"/>
+                        <a:ea typeface="+mn-ea"/>
+                        <a:cs typeface="+mn-cs"/>
+                      </a:endParaRPr>
+                    </a:p>
+                  </a:txBody>
+                  <a:tcPr/>
+                </a:tc>
+                <a:extLst>
+                  <a:ext uri="{0D108BD9-81ED-4DB2-BD59-A6C34878D82A}">
+                    <a16:rowId xmlns:a16="http://schemas.microsoft.com/office/drawing/2014/main" val="1690588360"/>
                   </a:ext>
                 </a:extLst>
               </a:tr>
@@ -4866,6 +5427,1217 @@
 </file>
 
 <file path=ppt/slides/slide4.xml><?xml version="1.0" encoding="utf-8"?>
+<p:sld xmlns:a="http://schemas.openxmlformats.org/drawingml/2006/main" xmlns:r="http://schemas.openxmlformats.org/officeDocument/2006/relationships" xmlns:p="http://schemas.openxmlformats.org/presentationml/2006/main">
+  <p:cSld>
+    <p:spTree>
+      <p:nvGrpSpPr>
+        <p:cNvPr id="1" name=""/>
+        <p:cNvGrpSpPr/>
+        <p:nvPr/>
+      </p:nvGrpSpPr>
+      <p:grpSpPr>
+        <a:xfrm>
+          <a:off x="0" y="0"/>
+          <a:ext cx="0" cy="0"/>
+          <a:chOff x="0" y="0"/>
+          <a:chExt cx="0" cy="0"/>
+        </a:xfrm>
+      </p:grpSpPr>
+      <p:sp>
+        <p:nvSpPr>
+          <p:cNvPr id="2" name="제목 1">
+            <a:extLst>
+              <a:ext uri="{FF2B5EF4-FFF2-40B4-BE49-F238E27FC236}">
+                <a16:creationId xmlns:a16="http://schemas.microsoft.com/office/drawing/2014/main" id="{D59BCA24-5D12-C741-C73C-4BE341739EF2}"/>
+              </a:ext>
+            </a:extLst>
+          </p:cNvPr>
+          <p:cNvSpPr>
+            <a:spLocks noGrp="1"/>
+          </p:cNvSpPr>
+          <p:nvPr>
+            <p:ph type="title"/>
+          </p:nvPr>
+        </p:nvSpPr>
+        <p:spPr/>
+        <p:txBody>
+          <a:bodyPr/>
+          <a:lstStyle/>
+          <a:p>
+            <a:r>
+              <a:rPr lang="ko-KR" altLang="en-US" dirty="0"/>
+              <a:t>재난 관련 </a:t>
+            </a:r>
+            <a:r>
+              <a:rPr lang="en-US" altLang="ko-KR" dirty="0"/>
+              <a:t>Paper </a:t>
+            </a:r>
+            <a:r>
+              <a:rPr lang="ko-KR" altLang="en-US" dirty="0"/>
+              <a:t>주제</a:t>
+            </a:r>
+            <a:r>
+              <a:rPr lang="en-US" altLang="ko-KR" dirty="0"/>
+              <a:t> </a:t>
+            </a:r>
+            <a:r>
+              <a:rPr lang="ko-KR" altLang="en-US" dirty="0"/>
+              <a:t>요약</a:t>
+            </a:r>
+            <a:r>
+              <a:rPr lang="en-US" altLang="ko-KR" dirty="0"/>
+              <a:t>3</a:t>
+            </a:r>
+            <a:endParaRPr lang="ko-KR" altLang="en-US" dirty="0"/>
+          </a:p>
+        </p:txBody>
+      </p:sp>
+      <p:graphicFrame>
+        <p:nvGraphicFramePr>
+          <p:cNvPr id="4" name="표 3">
+            <a:extLst>
+              <a:ext uri="{FF2B5EF4-FFF2-40B4-BE49-F238E27FC236}">
+                <a16:creationId xmlns:a16="http://schemas.microsoft.com/office/drawing/2014/main" id="{F14EB730-F2F6-284D-2BB2-126F94B1A9D1}"/>
+              </a:ext>
+            </a:extLst>
+          </p:cNvPr>
+          <p:cNvGraphicFramePr>
+            <a:graphicFrameLocks noGrp="1"/>
+          </p:cNvGraphicFramePr>
+          <p:nvPr>
+            <p:extLst>
+              <p:ext uri="{D42A27DB-BD31-4B8C-83A1-F6EECF244321}">
+                <p14:modId xmlns:p14="http://schemas.microsoft.com/office/powerpoint/2010/main" val="3290769617"/>
+              </p:ext>
+            </p:extLst>
+          </p:nvPr>
+        </p:nvGraphicFramePr>
+        <p:xfrm>
+          <a:off x="646545" y="1732915"/>
+          <a:ext cx="11175999" cy="3083560"/>
+        </p:xfrm>
+        <a:graphic>
+          <a:graphicData uri="http://schemas.openxmlformats.org/drawingml/2006/table">
+            <a:tbl>
+              <a:tblPr firstRow="1" bandRow="1">
+                <a:tableStyleId>{3B4B98B0-60AC-42C2-AFA5-B58CD77FA1E5}</a:tableStyleId>
+              </a:tblPr>
+              <a:tblGrid>
+                <a:gridCol w="3725333">
+                  <a:extLst>
+                    <a:ext uri="{9D8B030D-6E8A-4147-A177-3AD203B41FA5}">
+                      <a16:colId xmlns:a16="http://schemas.microsoft.com/office/drawing/2014/main" val="1679887606"/>
+                    </a:ext>
+                  </a:extLst>
+                </a:gridCol>
+                <a:gridCol w="4448849">
+                  <a:extLst>
+                    <a:ext uri="{9D8B030D-6E8A-4147-A177-3AD203B41FA5}">
+                      <a16:colId xmlns:a16="http://schemas.microsoft.com/office/drawing/2014/main" val="2523782859"/>
+                    </a:ext>
+                  </a:extLst>
+                </a:gridCol>
+                <a:gridCol w="3001817">
+                  <a:extLst>
+                    <a:ext uri="{9D8B030D-6E8A-4147-A177-3AD203B41FA5}">
+                      <a16:colId xmlns:a16="http://schemas.microsoft.com/office/drawing/2014/main" val="3987060428"/>
+                    </a:ext>
+                  </a:extLst>
+                </a:gridCol>
+              </a:tblGrid>
+              <a:tr h="370840">
+                <a:tc>
+                  <a:txBody>
+                    <a:bodyPr/>
+                    <a:lstStyle/>
+                    <a:p>
+                      <a:pPr latinLnBrk="1"/>
+                      <a:r>
+                        <a:rPr lang="ko-KR" altLang="en-US" dirty="0"/>
+                        <a:t>페이퍼 제목</a:t>
+                      </a:r>
+                    </a:p>
+                  </a:txBody>
+                  <a:tcPr/>
+                </a:tc>
+                <a:tc>
+                  <a:txBody>
+                    <a:bodyPr/>
+                    <a:lstStyle/>
+                    <a:p>
+                      <a:pPr latinLnBrk="1"/>
+                      <a:r>
+                        <a:rPr lang="ko-KR" altLang="en-US" dirty="0"/>
+                        <a:t>페이퍼 주제 요약</a:t>
+                      </a:r>
+                    </a:p>
+                  </a:txBody>
+                  <a:tcPr/>
+                </a:tc>
+                <a:tc>
+                  <a:txBody>
+                    <a:bodyPr/>
+                    <a:lstStyle/>
+                    <a:p>
+                      <a:pPr latinLnBrk="1"/>
+                      <a:r>
+                        <a:rPr lang="ko-KR" altLang="en-US" dirty="0"/>
+                        <a:t>대상 데이터셋</a:t>
+                      </a:r>
+                    </a:p>
+                  </a:txBody>
+                  <a:tcPr/>
+                </a:tc>
+                <a:extLst>
+                  <a:ext uri="{0D108BD9-81ED-4DB2-BD59-A6C34878D82A}">
+                    <a16:rowId xmlns:a16="http://schemas.microsoft.com/office/drawing/2014/main" val="2676310737"/>
+                  </a:ext>
+                </a:extLst>
+              </a:tr>
+              <a:tr h="415463">
+                <a:tc>
+                  <a:txBody>
+                    <a:bodyPr/>
+                    <a:lstStyle/>
+                    <a:p>
+                      <a:r>
+                        <a:rPr lang="en-US" altLang="ko-KR" sz="1600" dirty="0"/>
+                        <a:t>MEDIC: A Multi-Task Learning Dataset for Disaster Image Classification</a:t>
+                      </a:r>
+                      <a:endParaRPr lang="en-US" altLang="ko-KR" sz="1600" kern="0" spc="0" dirty="0">
+                        <a:solidFill>
+                          <a:srgbClr val="000000"/>
+                        </a:solidFill>
+                        <a:effectLst/>
+                        <a:latin typeface="+mj-lt"/>
+                        <a:ea typeface="+mn-ea"/>
+                        <a:cs typeface="+mn-cs"/>
+                      </a:endParaRPr>
+                    </a:p>
+                  </a:txBody>
+                  <a:tcPr/>
+                </a:tc>
+                <a:tc>
+                  <a:txBody>
+                    <a:bodyPr/>
+                    <a:lstStyle/>
+                    <a:p>
+                      <a:pPr marL="0" marR="0" lvl="0" indent="0" algn="l" defTabSz="914400" rtl="0" eaLnBrk="1" fontAlgn="auto" latinLnBrk="1" hangingPunct="1">
+                        <a:lnSpc>
+                          <a:spcPct val="100000"/>
+                        </a:lnSpc>
+                        <a:spcBef>
+                          <a:spcPts val="0"/>
+                        </a:spcBef>
+                        <a:spcAft>
+                          <a:spcPts val="0"/>
+                        </a:spcAft>
+                        <a:buClrTx/>
+                        <a:buSzTx/>
+                        <a:buFontTx/>
+                        <a:buNone/>
+                        <a:tabLst/>
+                        <a:defRPr/>
+                      </a:pPr>
+                      <a:r>
+                        <a:rPr lang="ko-KR" altLang="en-US" sz="1600" kern="0" spc="0" dirty="0">
+                          <a:solidFill>
+                            <a:srgbClr val="000000"/>
+                          </a:solidFill>
+                          <a:effectLst/>
+                          <a:latin typeface="+mj-lt"/>
+                          <a:ea typeface="+mj-ea"/>
+                          <a:cs typeface="+mn-cs"/>
+                        </a:rPr>
+                        <a:t>소셜 미디어 등 다양한 자연 재난 관련 이미지를 학습하고 자연재해 종류</a:t>
+                      </a:r>
+                      <a:r>
+                        <a:rPr lang="en-US" altLang="ko-KR" sz="1600" kern="0" spc="0" dirty="0">
+                          <a:solidFill>
+                            <a:srgbClr val="000000"/>
+                          </a:solidFill>
+                          <a:effectLst/>
+                          <a:latin typeface="+mj-lt"/>
+                          <a:ea typeface="+mj-ea"/>
+                          <a:cs typeface="+mn-cs"/>
+                        </a:rPr>
+                        <a:t>, </a:t>
+                      </a:r>
+                      <a:r>
+                        <a:rPr lang="ko-KR" altLang="en-US" sz="1600" kern="0" spc="0" dirty="0">
+                          <a:solidFill>
+                            <a:srgbClr val="000000"/>
+                          </a:solidFill>
+                          <a:effectLst/>
+                          <a:latin typeface="+mj-lt"/>
+                          <a:ea typeface="+mj-ea"/>
+                          <a:cs typeface="+mn-cs"/>
+                        </a:rPr>
+                        <a:t>정보제공 여부</a:t>
+                      </a:r>
+                      <a:r>
+                        <a:rPr lang="en-US" altLang="ko-KR" sz="1600" kern="0" spc="0" dirty="0">
+                          <a:solidFill>
+                            <a:srgbClr val="000000"/>
+                          </a:solidFill>
+                          <a:effectLst/>
+                          <a:latin typeface="+mj-lt"/>
+                          <a:ea typeface="+mj-ea"/>
+                          <a:cs typeface="+mn-cs"/>
+                        </a:rPr>
+                        <a:t>, </a:t>
+                      </a:r>
+                      <a:r>
+                        <a:rPr lang="ko-KR" altLang="en-US" sz="1600" kern="0" spc="0" dirty="0">
+                          <a:solidFill>
+                            <a:srgbClr val="000000"/>
+                          </a:solidFill>
+                          <a:effectLst/>
+                          <a:latin typeface="+mj-lt"/>
+                          <a:ea typeface="+mj-ea"/>
+                          <a:cs typeface="+mn-cs"/>
+                        </a:rPr>
+                        <a:t>사람의 신변 관련 정보</a:t>
+                      </a:r>
+                      <a:r>
+                        <a:rPr lang="en-US" altLang="ko-KR" sz="1600" kern="0" spc="0" dirty="0">
+                          <a:solidFill>
+                            <a:srgbClr val="000000"/>
+                          </a:solidFill>
+                          <a:effectLst/>
+                          <a:latin typeface="+mj-lt"/>
+                          <a:ea typeface="+mj-ea"/>
+                          <a:cs typeface="+mn-cs"/>
+                        </a:rPr>
+                        <a:t>, </a:t>
+                      </a:r>
+                      <a:r>
+                        <a:rPr lang="ko-KR" altLang="en-US" sz="1600" kern="0" spc="0" dirty="0">
+                          <a:solidFill>
+                            <a:srgbClr val="000000"/>
+                          </a:solidFill>
+                          <a:effectLst/>
+                          <a:latin typeface="+mj-lt"/>
+                          <a:ea typeface="+mj-ea"/>
+                          <a:cs typeface="+mn-cs"/>
+                        </a:rPr>
+                        <a:t>피해 정도 등 다양한 조건으로 </a:t>
+                      </a:r>
+                      <a:r>
+                        <a:rPr lang="ko-KR" altLang="en-US" sz="1600" kern="0" spc="0" dirty="0" err="1">
+                          <a:solidFill>
+                            <a:srgbClr val="000000"/>
+                          </a:solidFill>
+                          <a:effectLst/>
+                          <a:latin typeface="+mj-lt"/>
+                          <a:ea typeface="+mj-ea"/>
+                          <a:cs typeface="+mn-cs"/>
+                        </a:rPr>
+                        <a:t>라벨링하는</a:t>
+                      </a:r>
+                      <a:r>
+                        <a:rPr lang="ko-KR" altLang="en-US" sz="1600" kern="0" spc="0" dirty="0">
+                          <a:solidFill>
+                            <a:srgbClr val="000000"/>
+                          </a:solidFill>
+                          <a:effectLst/>
+                          <a:latin typeface="+mj-lt"/>
+                          <a:ea typeface="+mj-ea"/>
+                          <a:cs typeface="+mn-cs"/>
+                        </a:rPr>
+                        <a:t> 모델</a:t>
+                      </a:r>
+                    </a:p>
+                  </a:txBody>
+                  <a:tcPr/>
+                </a:tc>
+                <a:tc>
+                  <a:txBody>
+                    <a:bodyPr/>
+                    <a:lstStyle/>
+                    <a:p>
+                      <a:pPr marL="0" marR="0" lvl="0" indent="0" algn="l" defTabSz="914400" rtl="0" eaLnBrk="1" fontAlgn="auto" latinLnBrk="1" hangingPunct="1">
+                        <a:lnSpc>
+                          <a:spcPct val="100000"/>
+                        </a:lnSpc>
+                        <a:spcBef>
+                          <a:spcPts val="0"/>
+                        </a:spcBef>
+                        <a:spcAft>
+                          <a:spcPts val="0"/>
+                        </a:spcAft>
+                        <a:buClrTx/>
+                        <a:buSzTx/>
+                        <a:buFontTx/>
+                        <a:buNone/>
+                        <a:tabLst/>
+                        <a:defRPr/>
+                      </a:pPr>
+                      <a:r>
+                        <a:rPr lang="en-US" altLang="ko-KR" sz="1600" b="0" kern="1200" dirty="0">
+                          <a:solidFill>
+                            <a:schemeClr val="tx1"/>
+                          </a:solidFill>
+                          <a:effectLst/>
+                          <a:latin typeface="+mj-lt"/>
+                          <a:ea typeface="+mn-ea"/>
+                          <a:cs typeface="+mn-cs"/>
+                        </a:rPr>
+                        <a:t>Crisis </a:t>
+                      </a:r>
+                      <a:r>
+                        <a:rPr lang="ko-KR" altLang="en-US" sz="1600" b="0" kern="1200" dirty="0">
+                          <a:solidFill>
+                            <a:schemeClr val="tx1"/>
+                          </a:solidFill>
+                          <a:effectLst/>
+                          <a:latin typeface="+mj-lt"/>
+                          <a:ea typeface="+mn-ea"/>
+                          <a:cs typeface="+mn-cs"/>
+                        </a:rPr>
+                        <a:t>벤치마크 데이터셋</a:t>
+                      </a:r>
+                      <a:r>
+                        <a:rPr lang="en-US" altLang="ko-KR" sz="1600" b="0" kern="1200" dirty="0">
+                          <a:solidFill>
+                            <a:schemeClr val="tx1"/>
+                          </a:solidFill>
+                          <a:effectLst/>
+                          <a:latin typeface="+mj-lt"/>
+                          <a:ea typeface="+mn-ea"/>
+                          <a:cs typeface="+mn-cs"/>
+                        </a:rPr>
+                        <a:t>(</a:t>
+                      </a:r>
+                      <a:r>
+                        <a:rPr lang="ko-KR" altLang="en-US" sz="1600" b="0" kern="1200" dirty="0">
+                          <a:solidFill>
+                            <a:schemeClr val="tx1"/>
+                          </a:solidFill>
+                          <a:effectLst/>
+                          <a:latin typeface="+mj-lt"/>
+                          <a:ea typeface="+mn-ea"/>
+                          <a:cs typeface="+mn-cs"/>
+                        </a:rPr>
+                        <a:t>이미지 포함</a:t>
+                      </a:r>
+                      <a:r>
+                        <a:rPr lang="en-US" altLang="ko-KR" sz="1600" b="0" kern="1200" dirty="0">
+                          <a:solidFill>
+                            <a:schemeClr val="tx1"/>
+                          </a:solidFill>
+                          <a:effectLst/>
+                          <a:latin typeface="+mj-lt"/>
+                          <a:ea typeface="+mn-ea"/>
+                          <a:cs typeface="+mn-cs"/>
+                        </a:rPr>
+                        <a:t>, </a:t>
+                      </a:r>
+                      <a:r>
+                        <a:rPr lang="ko-KR" altLang="en-US" sz="1600" b="0" kern="1200" dirty="0">
+                          <a:solidFill>
+                            <a:schemeClr val="tx1"/>
+                          </a:solidFill>
+                          <a:effectLst/>
+                          <a:latin typeface="+mj-lt"/>
+                          <a:ea typeface="+mn-ea"/>
+                          <a:cs typeface="+mn-cs"/>
+                        </a:rPr>
+                        <a:t>자연재해</a:t>
+                      </a:r>
+                      <a:r>
+                        <a:rPr lang="en-US" altLang="ko-KR" sz="1600" b="0" kern="1200" dirty="0">
+                          <a:solidFill>
+                            <a:schemeClr val="tx1"/>
+                          </a:solidFill>
+                          <a:effectLst/>
+                          <a:latin typeface="+mj-lt"/>
+                          <a:ea typeface="+mn-ea"/>
+                          <a:cs typeface="+mn-cs"/>
+                        </a:rPr>
+                        <a:t>, </a:t>
+                      </a:r>
+                      <a:r>
+                        <a:rPr lang="ko-KR" altLang="en-US" sz="1600" b="0" kern="1200" dirty="0">
+                          <a:solidFill>
+                            <a:schemeClr val="tx1"/>
+                          </a:solidFill>
+                          <a:effectLst/>
+                          <a:latin typeface="+mj-lt"/>
+                          <a:ea typeface="+mn-ea"/>
+                          <a:cs typeface="+mn-cs"/>
+                        </a:rPr>
+                        <a:t>정보제공여부</a:t>
+                      </a:r>
+                      <a:r>
+                        <a:rPr lang="en-US" altLang="ko-KR" sz="1600" b="0" kern="1200" dirty="0">
+                          <a:solidFill>
+                            <a:schemeClr val="tx1"/>
+                          </a:solidFill>
+                          <a:effectLst/>
+                          <a:latin typeface="+mj-lt"/>
+                          <a:ea typeface="+mn-ea"/>
+                          <a:cs typeface="+mn-cs"/>
+                        </a:rPr>
+                        <a:t>, </a:t>
+                      </a:r>
+                      <a:r>
+                        <a:rPr lang="ko-KR" altLang="en-US" sz="1600" b="0" kern="1200" dirty="0">
+                          <a:solidFill>
+                            <a:schemeClr val="tx1"/>
+                          </a:solidFill>
+                          <a:effectLst/>
+                          <a:latin typeface="+mj-lt"/>
+                          <a:ea typeface="+mn-ea"/>
+                          <a:cs typeface="+mn-cs"/>
+                        </a:rPr>
+                        <a:t>신변정보 등 </a:t>
+                      </a:r>
+                      <a:r>
+                        <a:rPr lang="ko-KR" altLang="en-US" sz="1600" b="0" kern="1200" dirty="0" err="1">
+                          <a:solidFill>
+                            <a:schemeClr val="tx1"/>
+                          </a:solidFill>
+                          <a:effectLst/>
+                          <a:latin typeface="+mj-lt"/>
+                          <a:ea typeface="+mn-ea"/>
+                          <a:cs typeface="+mn-cs"/>
+                        </a:rPr>
+                        <a:t>라벨링됨</a:t>
+                      </a:r>
+                      <a:r>
+                        <a:rPr lang="en-US" altLang="ko-KR" sz="1600" b="0" kern="1200" dirty="0">
+                          <a:solidFill>
+                            <a:schemeClr val="tx1"/>
+                          </a:solidFill>
+                          <a:effectLst/>
+                          <a:latin typeface="+mj-lt"/>
+                          <a:ea typeface="+mn-ea"/>
+                          <a:cs typeface="+mn-cs"/>
+                        </a:rPr>
+                        <a:t>)</a:t>
+                      </a:r>
+                    </a:p>
+                  </a:txBody>
+                  <a:tcPr/>
+                </a:tc>
+                <a:extLst>
+                  <a:ext uri="{0D108BD9-81ED-4DB2-BD59-A6C34878D82A}">
+                    <a16:rowId xmlns:a16="http://schemas.microsoft.com/office/drawing/2014/main" val="3222306715"/>
+                  </a:ext>
+                </a:extLst>
+              </a:tr>
+              <a:tr h="370840">
+                <a:tc>
+                  <a:txBody>
+                    <a:bodyPr/>
+                    <a:lstStyle/>
+                    <a:p>
+                      <a:pPr marL="0" marR="0" lvl="0" indent="0" algn="l" defTabSz="914400" rtl="0" eaLnBrk="1" fontAlgn="auto" latinLnBrk="1" hangingPunct="1">
+                        <a:lnSpc>
+                          <a:spcPct val="100000"/>
+                        </a:lnSpc>
+                        <a:spcBef>
+                          <a:spcPts val="0"/>
+                        </a:spcBef>
+                        <a:spcAft>
+                          <a:spcPts val="0"/>
+                        </a:spcAft>
+                        <a:buClrTx/>
+                        <a:buSzTx/>
+                        <a:buFontTx/>
+                        <a:buNone/>
+                        <a:tabLst/>
+                        <a:defRPr/>
+                      </a:pPr>
+                      <a:r>
+                        <a:rPr lang="en-US" altLang="ko-KR" sz="1600" dirty="0"/>
+                        <a:t>Real-time urban rainstorm and waterlogging disaster detection by Weibo users</a:t>
+                      </a:r>
+                      <a:endParaRPr lang="en-US" altLang="ko-KR" sz="1600" kern="0" spc="0" dirty="0">
+                        <a:solidFill>
+                          <a:srgbClr val="000000"/>
+                        </a:solidFill>
+                        <a:effectLst/>
+                        <a:latin typeface="+mj-lt"/>
+                        <a:ea typeface="+mn-ea"/>
+                      </a:endParaRPr>
+                    </a:p>
+                  </a:txBody>
+                  <a:tcPr/>
+                </a:tc>
+                <a:tc>
+                  <a:txBody>
+                    <a:bodyPr/>
+                    <a:lstStyle/>
+                    <a:p>
+                      <a:pPr marL="0" marR="0" lvl="0" indent="0" algn="l" defTabSz="914400" rtl="0" eaLnBrk="1" fontAlgn="auto" latinLnBrk="1" hangingPunct="1">
+                        <a:lnSpc>
+                          <a:spcPct val="100000"/>
+                        </a:lnSpc>
+                        <a:spcBef>
+                          <a:spcPts val="0"/>
+                        </a:spcBef>
+                        <a:spcAft>
+                          <a:spcPts val="0"/>
+                        </a:spcAft>
+                        <a:buClrTx/>
+                        <a:buSzTx/>
+                        <a:buFontTx/>
+                        <a:buNone/>
+                        <a:tabLst/>
+                        <a:defRPr/>
+                      </a:pPr>
+                      <a:r>
+                        <a:rPr lang="ko-KR" altLang="en-US" sz="1600" kern="0" dirty="0" err="1">
+                          <a:solidFill>
+                            <a:srgbClr val="000000"/>
+                          </a:solidFill>
+                          <a:latin typeface="+mj-lt"/>
+                          <a:ea typeface="+mn-ea"/>
+                        </a:rPr>
+                        <a:t>웨이보</a:t>
+                      </a:r>
+                      <a:r>
+                        <a:rPr lang="ko-KR" altLang="en-US" sz="1600" kern="0" dirty="0">
+                          <a:solidFill>
+                            <a:srgbClr val="000000"/>
+                          </a:solidFill>
+                          <a:latin typeface="+mj-lt"/>
+                          <a:ea typeface="+mn-ea"/>
+                        </a:rPr>
+                        <a:t> 데이터를 수집해서 폭풍우와 침수피해를 탐지하는 모델 구축</a:t>
+                      </a:r>
+                    </a:p>
+                  </a:txBody>
+                  <a:tcPr/>
+                </a:tc>
+                <a:tc>
+                  <a:txBody>
+                    <a:bodyPr/>
+                    <a:lstStyle/>
+                    <a:p>
+                      <a:pPr fontAlgn="base" latinLnBrk="1"/>
+                      <a:r>
+                        <a:rPr lang="ko-KR" altLang="en-US" sz="1600" kern="1200" dirty="0">
+                          <a:solidFill>
+                            <a:schemeClr val="tx1"/>
+                          </a:solidFill>
+                          <a:effectLst/>
+                          <a:latin typeface="+mj-lt"/>
+                          <a:ea typeface="+mn-ea"/>
+                          <a:cs typeface="+mn-cs"/>
+                        </a:rPr>
+                        <a:t>재난 관련 </a:t>
+                      </a:r>
+                      <a:r>
+                        <a:rPr lang="ko-KR" altLang="en-US" sz="1600" kern="1200" dirty="0" err="1">
+                          <a:solidFill>
+                            <a:schemeClr val="tx1"/>
+                          </a:solidFill>
+                          <a:effectLst/>
+                          <a:latin typeface="+mj-lt"/>
+                          <a:ea typeface="+mn-ea"/>
+                          <a:cs typeface="+mn-cs"/>
+                        </a:rPr>
+                        <a:t>웨이보</a:t>
+                      </a:r>
+                      <a:r>
+                        <a:rPr lang="ko-KR" altLang="en-US" sz="1600" kern="1200" dirty="0">
+                          <a:solidFill>
+                            <a:schemeClr val="tx1"/>
+                          </a:solidFill>
+                          <a:effectLst/>
+                          <a:latin typeface="+mj-lt"/>
+                          <a:ea typeface="+mn-ea"/>
+                          <a:cs typeface="+mn-cs"/>
+                        </a:rPr>
+                        <a:t> 데이터셋</a:t>
+                      </a:r>
+                      <a:r>
+                        <a:rPr lang="en-US" altLang="ko-KR" sz="1600" kern="1200" dirty="0">
+                          <a:solidFill>
+                            <a:schemeClr val="tx1"/>
+                          </a:solidFill>
+                          <a:effectLst/>
+                          <a:latin typeface="+mj-lt"/>
+                          <a:ea typeface="+mn-ea"/>
+                          <a:cs typeface="+mn-cs"/>
+                        </a:rPr>
+                        <a:t>. (</a:t>
+                      </a:r>
+                      <a:r>
+                        <a:rPr lang="ko-KR" altLang="en-US" sz="1600" kern="1200" dirty="0">
+                          <a:solidFill>
+                            <a:schemeClr val="tx1"/>
+                          </a:solidFill>
+                          <a:effectLst/>
+                          <a:latin typeface="+mj-lt"/>
+                          <a:ea typeface="+mn-ea"/>
+                          <a:cs typeface="+mn-cs"/>
+                        </a:rPr>
+                        <a:t>침수피해 정보 </a:t>
+                      </a:r>
+                      <a:r>
+                        <a:rPr lang="ko-KR" altLang="en-US" sz="1600" kern="1200" dirty="0" err="1">
+                          <a:solidFill>
+                            <a:schemeClr val="tx1"/>
+                          </a:solidFill>
+                          <a:effectLst/>
+                          <a:latin typeface="+mj-lt"/>
+                          <a:ea typeface="+mn-ea"/>
+                          <a:cs typeface="+mn-cs"/>
+                        </a:rPr>
+                        <a:t>라벨링</a:t>
+                      </a:r>
+                      <a:r>
+                        <a:rPr lang="en-US" altLang="ko-KR" sz="1600" kern="1200" dirty="0">
+                          <a:solidFill>
+                            <a:schemeClr val="tx1"/>
+                          </a:solidFill>
+                          <a:effectLst/>
+                          <a:latin typeface="+mj-lt"/>
+                          <a:ea typeface="+mn-ea"/>
+                          <a:cs typeface="+mn-cs"/>
+                        </a:rPr>
+                        <a:t>)</a:t>
+                      </a:r>
+                      <a:endParaRPr lang="ko-KR" altLang="en-US" sz="1600" kern="1200" dirty="0">
+                        <a:solidFill>
+                          <a:schemeClr val="tx1"/>
+                        </a:solidFill>
+                        <a:effectLst/>
+                        <a:latin typeface="+mj-lt"/>
+                        <a:ea typeface="+mn-ea"/>
+                        <a:cs typeface="+mn-cs"/>
+                      </a:endParaRPr>
+                    </a:p>
+                  </a:txBody>
+                  <a:tcPr/>
+                </a:tc>
+                <a:extLst>
+                  <a:ext uri="{0D108BD9-81ED-4DB2-BD59-A6C34878D82A}">
+                    <a16:rowId xmlns:a16="http://schemas.microsoft.com/office/drawing/2014/main" val="87889747"/>
+                  </a:ext>
+                </a:extLst>
+              </a:tr>
+              <a:tr h="370840">
+                <a:tc>
+                  <a:txBody>
+                    <a:bodyPr/>
+                    <a:lstStyle/>
+                    <a:p>
+                      <a:pPr marL="0" marR="0" lvl="0" indent="0" algn="l" defTabSz="914400" rtl="0" eaLnBrk="1" fontAlgn="auto" latinLnBrk="1" hangingPunct="1">
+                        <a:lnSpc>
+                          <a:spcPct val="100000"/>
+                        </a:lnSpc>
+                        <a:spcBef>
+                          <a:spcPts val="0"/>
+                        </a:spcBef>
+                        <a:spcAft>
+                          <a:spcPts val="0"/>
+                        </a:spcAft>
+                        <a:buClrTx/>
+                        <a:buSzTx/>
+                        <a:buFontTx/>
+                        <a:buNone/>
+                        <a:tabLst/>
+                        <a:defRPr/>
+                      </a:pPr>
+                      <a:r>
+                        <a:rPr lang="en-US" altLang="ko-KR" sz="1600" dirty="0"/>
+                        <a:t>Analysis of Social Media Data using Multimodal Deep Learning for Disaster Response</a:t>
+                      </a:r>
+                      <a:endParaRPr lang="en-US" altLang="ko-KR" sz="1600" kern="0" spc="0" dirty="0">
+                        <a:solidFill>
+                          <a:srgbClr val="000000"/>
+                        </a:solidFill>
+                        <a:effectLst/>
+                        <a:latin typeface="+mj-lt"/>
+                        <a:ea typeface="+mn-ea"/>
+                      </a:endParaRPr>
+                    </a:p>
+                  </a:txBody>
+                  <a:tcPr/>
+                </a:tc>
+                <a:tc>
+                  <a:txBody>
+                    <a:bodyPr/>
+                    <a:lstStyle/>
+                    <a:p>
+                      <a:pPr marL="0" marR="0" lvl="0" indent="0" algn="l" defTabSz="914400" rtl="0" eaLnBrk="1" fontAlgn="auto" latinLnBrk="1" hangingPunct="1">
+                        <a:lnSpc>
+                          <a:spcPct val="100000"/>
+                        </a:lnSpc>
+                        <a:spcBef>
+                          <a:spcPts val="0"/>
+                        </a:spcBef>
+                        <a:spcAft>
+                          <a:spcPts val="0"/>
+                        </a:spcAft>
+                        <a:buClrTx/>
+                        <a:buSzTx/>
+                        <a:buFontTx/>
+                        <a:buNone/>
+                        <a:tabLst/>
+                        <a:defRPr/>
+                      </a:pPr>
+                      <a:r>
+                        <a:rPr lang="ko-KR" altLang="en-US" sz="1600" kern="0">
+                          <a:solidFill>
+                            <a:srgbClr val="000000"/>
+                          </a:solidFill>
+                          <a:latin typeface="+mj-lt"/>
+                          <a:ea typeface="+mn-ea"/>
+                        </a:rPr>
+                        <a:t>텍스트와 이미지 모두 사용해서 다양한 종류의 재난에 라벨링을 하는 모델 구축</a:t>
+                      </a:r>
+                      <a:endParaRPr lang="ko-KR" altLang="en-US" sz="1600" kern="0" dirty="0">
+                        <a:solidFill>
+                          <a:srgbClr val="000000"/>
+                        </a:solidFill>
+                        <a:latin typeface="+mj-lt"/>
+                        <a:ea typeface="+mn-ea"/>
+                      </a:endParaRPr>
+                    </a:p>
+                  </a:txBody>
+                  <a:tcPr/>
+                </a:tc>
+                <a:tc>
+                  <a:txBody>
+                    <a:bodyPr/>
+                    <a:lstStyle/>
+                    <a:p>
+                      <a:pPr fontAlgn="base" latinLnBrk="1"/>
+                      <a:r>
+                        <a:rPr lang="en-US" altLang="ko-KR" sz="1600" kern="1200" dirty="0" err="1">
+                          <a:solidFill>
+                            <a:schemeClr val="tx1"/>
+                          </a:solidFill>
+                          <a:effectLst/>
+                          <a:latin typeface="+mj-lt"/>
+                          <a:ea typeface="+mn-ea"/>
+                          <a:cs typeface="+mn-cs"/>
+                        </a:rPr>
+                        <a:t>CrisisMMD</a:t>
+                      </a:r>
+                      <a:r>
+                        <a:rPr lang="en-US" altLang="ko-KR" sz="1600" kern="1200" dirty="0">
+                          <a:solidFill>
+                            <a:schemeClr val="tx1"/>
+                          </a:solidFill>
+                          <a:effectLst/>
+                          <a:latin typeface="+mj-lt"/>
+                          <a:ea typeface="+mn-ea"/>
+                          <a:cs typeface="+mn-cs"/>
+                        </a:rPr>
+                        <a:t> </a:t>
+                      </a:r>
+                      <a:r>
+                        <a:rPr lang="ko-KR" altLang="en-US" sz="1600" kern="1200" dirty="0">
+                          <a:solidFill>
+                            <a:schemeClr val="tx1"/>
+                          </a:solidFill>
+                          <a:effectLst/>
+                          <a:latin typeface="+mj-lt"/>
+                          <a:ea typeface="+mn-ea"/>
+                          <a:cs typeface="+mn-cs"/>
+                        </a:rPr>
+                        <a:t>데이터셋</a:t>
+                      </a:r>
+                    </a:p>
+                  </a:txBody>
+                  <a:tcPr/>
+                </a:tc>
+                <a:extLst>
+                  <a:ext uri="{0D108BD9-81ED-4DB2-BD59-A6C34878D82A}">
+                    <a16:rowId xmlns:a16="http://schemas.microsoft.com/office/drawing/2014/main" val="3511630990"/>
+                  </a:ext>
+                </a:extLst>
+              </a:tr>
+            </a:tbl>
+          </a:graphicData>
+        </a:graphic>
+      </p:graphicFrame>
+    </p:spTree>
+    <p:extLst>
+      <p:ext uri="{BB962C8B-B14F-4D97-AF65-F5344CB8AC3E}">
+        <p14:creationId xmlns:p14="http://schemas.microsoft.com/office/powerpoint/2010/main" val="3437260112"/>
+      </p:ext>
+    </p:extLst>
+  </p:cSld>
+  <p:clrMapOvr>
+    <a:masterClrMapping/>
+  </p:clrMapOvr>
+</p:sld>
+</file>
+
+<file path=ppt/slides/slide5.xml><?xml version="1.0" encoding="utf-8"?>
+<p:sld xmlns:a="http://schemas.openxmlformats.org/drawingml/2006/main" xmlns:r="http://schemas.openxmlformats.org/officeDocument/2006/relationships" xmlns:p="http://schemas.openxmlformats.org/presentationml/2006/main">
+  <p:cSld>
+    <p:spTree>
+      <p:nvGrpSpPr>
+        <p:cNvPr id="1" name=""/>
+        <p:cNvGrpSpPr/>
+        <p:nvPr/>
+      </p:nvGrpSpPr>
+      <p:grpSpPr>
+        <a:xfrm>
+          <a:off x="0" y="0"/>
+          <a:ext cx="0" cy="0"/>
+          <a:chOff x="0" y="0"/>
+          <a:chExt cx="0" cy="0"/>
+        </a:xfrm>
+      </p:grpSpPr>
+      <p:sp>
+        <p:nvSpPr>
+          <p:cNvPr id="2" name="제목 1">
+            <a:extLst>
+              <a:ext uri="{FF2B5EF4-FFF2-40B4-BE49-F238E27FC236}">
+                <a16:creationId xmlns:a16="http://schemas.microsoft.com/office/drawing/2014/main" id="{F61A74F7-7EE1-B0A6-C142-C66E20F2B355}"/>
+              </a:ext>
+            </a:extLst>
+          </p:cNvPr>
+          <p:cNvSpPr>
+            <a:spLocks noGrp="1"/>
+          </p:cNvSpPr>
+          <p:nvPr>
+            <p:ph type="title"/>
+          </p:nvPr>
+        </p:nvSpPr>
+        <p:spPr/>
+        <p:txBody>
+          <a:bodyPr/>
+          <a:lstStyle/>
+          <a:p>
+            <a:r>
+              <a:rPr lang="ko-KR" altLang="en-US" dirty="0"/>
+              <a:t>재난 관련 예상 </a:t>
+            </a:r>
+            <a:r>
+              <a:rPr lang="en-US" altLang="ko-KR" dirty="0"/>
+              <a:t>Paper(</a:t>
+            </a:r>
+            <a:r>
+              <a:rPr lang="ko-KR" altLang="en-US" dirty="0"/>
+              <a:t>내용조회 실패</a:t>
+            </a:r>
+            <a:r>
+              <a:rPr lang="en-US" altLang="ko-KR" dirty="0"/>
+              <a:t>)</a:t>
+            </a:r>
+            <a:endParaRPr lang="ko-KR" altLang="en-US" dirty="0"/>
+          </a:p>
+        </p:txBody>
+      </p:sp>
+      <p:sp>
+        <p:nvSpPr>
+          <p:cNvPr id="3" name="내용 개체 틀 2">
+            <a:extLst>
+              <a:ext uri="{FF2B5EF4-FFF2-40B4-BE49-F238E27FC236}">
+                <a16:creationId xmlns:a16="http://schemas.microsoft.com/office/drawing/2014/main" id="{441A6548-DB75-A4D6-1707-07CBD4F6397A}"/>
+              </a:ext>
+            </a:extLst>
+          </p:cNvPr>
+          <p:cNvSpPr>
+            <a:spLocks noGrp="1"/>
+          </p:cNvSpPr>
+          <p:nvPr>
+            <p:ph idx="1"/>
+          </p:nvPr>
+        </p:nvSpPr>
+        <p:spPr/>
+        <p:txBody>
+          <a:bodyPr>
+            <a:normAutofit/>
+          </a:bodyPr>
+          <a:lstStyle/>
+          <a:p>
+            <a:r>
+              <a:rPr lang="en-US" altLang="ko-KR" sz="2000" dirty="0"/>
+              <a:t>A Method of Efficient Synthesizing Post-disaster Remote Sensing Image with Diffusion Model and LLM (Ou et al., 2023)</a:t>
+            </a:r>
+          </a:p>
+          <a:p>
+            <a:r>
+              <a:rPr lang="en-US" altLang="ko-KR" sz="2000" dirty="0"/>
+              <a:t>Probing the Consistency of Situational Information Extraction with Large Language Models: A Case Study on Crisis Computing (</a:t>
+            </a:r>
+            <a:r>
+              <a:rPr lang="en-US" altLang="ko-KR" sz="2000" dirty="0" err="1"/>
+              <a:t>Salfinger</a:t>
+            </a:r>
+            <a:r>
+              <a:rPr lang="en-US" altLang="ko-KR" sz="2000" dirty="0"/>
+              <a:t> &amp; </a:t>
+            </a:r>
+            <a:r>
+              <a:rPr lang="en-US" altLang="ko-KR" sz="2000" dirty="0" err="1"/>
+              <a:t>Snidaro</a:t>
+            </a:r>
+            <a:r>
+              <a:rPr lang="en-US" altLang="ko-KR" sz="2000" dirty="0"/>
+              <a:t>, 2024)</a:t>
+            </a:r>
+          </a:p>
+          <a:p>
+            <a:r>
+              <a:rPr lang="en-US" altLang="ko-KR" sz="2000" dirty="0"/>
+              <a:t>Using AI and Social Media Multimodal Content for Disaster Response and Management: Opportunities, Challenges, and Future Directions (Imran et al, 2024)</a:t>
+            </a:r>
+          </a:p>
+          <a:p>
+            <a:r>
+              <a:rPr lang="en-US" altLang="ko-KR" sz="2000" dirty="0"/>
+              <a:t>Deep Learning Benchmarks and Datasets for Social Media Image Classification for Disaster Response(Alam et al, 2020)</a:t>
+            </a:r>
+          </a:p>
+          <a:p>
+            <a:r>
+              <a:rPr lang="en-US" altLang="ko-KR" sz="2000" dirty="0"/>
+              <a:t>Damage Identification in Social Media Posts using Multimodal Deep Learning (</a:t>
+            </a:r>
+            <a:r>
+              <a:rPr lang="en-US" altLang="ko-KR" sz="2000" dirty="0" err="1"/>
+              <a:t>Mousznner</a:t>
+            </a:r>
+            <a:r>
+              <a:rPr lang="ko-KR" altLang="en-US" sz="2000" dirty="0"/>
+              <a:t> </a:t>
+            </a:r>
+            <a:r>
+              <a:rPr lang="en-US" altLang="ko-KR" sz="2000" dirty="0"/>
+              <a:t>et</a:t>
+            </a:r>
+            <a:r>
+              <a:rPr lang="ko-KR" altLang="en-US" sz="2000" dirty="0"/>
+              <a:t> </a:t>
+            </a:r>
+            <a:r>
+              <a:rPr lang="en-US" altLang="ko-KR" sz="2000" dirty="0"/>
+              <a:t>al,</a:t>
+            </a:r>
+            <a:r>
+              <a:rPr lang="ko-KR" altLang="en-US" sz="2000" dirty="0"/>
+              <a:t> </a:t>
+            </a:r>
+            <a:r>
+              <a:rPr lang="en-US" altLang="ko-KR" sz="2000" dirty="0"/>
+              <a:t>2018)</a:t>
+            </a:r>
+          </a:p>
+        </p:txBody>
+      </p:sp>
+    </p:spTree>
+    <p:extLst>
+      <p:ext uri="{BB962C8B-B14F-4D97-AF65-F5344CB8AC3E}">
+        <p14:creationId xmlns:p14="http://schemas.microsoft.com/office/powerpoint/2010/main" val="238107619"/>
+      </p:ext>
+    </p:extLst>
+  </p:cSld>
+  <p:clrMapOvr>
+    <a:masterClrMapping/>
+  </p:clrMapOvr>
+</p:sld>
+</file>
+
+<file path=ppt/slides/slide6.xml><?xml version="1.0" encoding="utf-8"?>
+<p:sld xmlns:a="http://schemas.openxmlformats.org/drawingml/2006/main" xmlns:r="http://schemas.openxmlformats.org/officeDocument/2006/relationships" xmlns:p="http://schemas.openxmlformats.org/presentationml/2006/main">
+  <p:cSld>
+    <p:spTree>
+      <p:nvGrpSpPr>
+        <p:cNvPr id="1" name=""/>
+        <p:cNvGrpSpPr/>
+        <p:nvPr/>
+      </p:nvGrpSpPr>
+      <p:grpSpPr>
+        <a:xfrm>
+          <a:off x="0" y="0"/>
+          <a:ext cx="0" cy="0"/>
+          <a:chOff x="0" y="0"/>
+          <a:chExt cx="0" cy="0"/>
+        </a:xfrm>
+      </p:grpSpPr>
+      <p:sp>
+        <p:nvSpPr>
+          <p:cNvPr id="2" name="제목 1">
+            <a:extLst>
+              <a:ext uri="{FF2B5EF4-FFF2-40B4-BE49-F238E27FC236}">
+                <a16:creationId xmlns:a16="http://schemas.microsoft.com/office/drawing/2014/main" id="{F61A74F7-7EE1-B0A6-C142-C66E20F2B355}"/>
+              </a:ext>
+            </a:extLst>
+          </p:cNvPr>
+          <p:cNvSpPr>
+            <a:spLocks noGrp="1"/>
+          </p:cNvSpPr>
+          <p:nvPr>
+            <p:ph type="title"/>
+          </p:nvPr>
+        </p:nvSpPr>
+        <p:spPr/>
+        <p:txBody>
+          <a:bodyPr/>
+          <a:lstStyle/>
+          <a:p>
+            <a:r>
+              <a:rPr lang="ko-KR" altLang="en-US" dirty="0"/>
+              <a:t>재난경보 관련 추가 페이퍼</a:t>
+            </a:r>
+          </a:p>
+        </p:txBody>
+      </p:sp>
+      <p:sp>
+        <p:nvSpPr>
+          <p:cNvPr id="3" name="내용 개체 틀 2">
+            <a:extLst>
+              <a:ext uri="{FF2B5EF4-FFF2-40B4-BE49-F238E27FC236}">
+                <a16:creationId xmlns:a16="http://schemas.microsoft.com/office/drawing/2014/main" id="{441A6548-DB75-A4D6-1707-07CBD4F6397A}"/>
+              </a:ext>
+            </a:extLst>
+          </p:cNvPr>
+          <p:cNvSpPr>
+            <a:spLocks noGrp="1"/>
+          </p:cNvSpPr>
+          <p:nvPr>
+            <p:ph idx="1"/>
+          </p:nvPr>
+        </p:nvSpPr>
+        <p:spPr/>
+        <p:txBody>
+          <a:bodyPr>
+            <a:normAutofit/>
+          </a:bodyPr>
+          <a:lstStyle/>
+          <a:p>
+            <a:r>
+              <a:rPr lang="en-US" altLang="ko-KR" sz="2000" dirty="0"/>
+              <a:t>Learning skillful medium-range global weather forecasting (</a:t>
+            </a:r>
+            <a:r>
+              <a:rPr lang="en-US" altLang="ko-KR" sz="2000" dirty="0" err="1"/>
+              <a:t>GraphCast</a:t>
+            </a:r>
+            <a:r>
+              <a:rPr lang="en-US" altLang="ko-KR" sz="2000" dirty="0"/>
+              <a:t>) – AI </a:t>
+            </a:r>
+            <a:r>
+              <a:rPr lang="ko-KR" altLang="en-US" sz="2000" dirty="0"/>
+              <a:t>기술을 이용한 향상된 자연재해 예측 모델</a:t>
+            </a:r>
+            <a:r>
+              <a:rPr lang="en-US" altLang="ko-KR" sz="2000" dirty="0"/>
+              <a:t>. [</a:t>
+            </a:r>
+            <a:r>
+              <a:rPr lang="ko-KR" altLang="en-US" sz="2000" dirty="0"/>
+              <a:t>참조 </a:t>
+            </a:r>
+            <a:r>
+              <a:rPr lang="en-US" altLang="ko-KR" sz="2000" dirty="0"/>
+              <a:t>: </a:t>
+            </a:r>
+            <a:r>
+              <a:rPr lang="en-US" altLang="ko-KR" sz="2000" dirty="0">
+                <a:hlinkClick r:id="rId2"/>
+              </a:rPr>
+              <a:t>https://www.science.org/stoken/author-tokens/ST-1550/full</a:t>
+            </a:r>
+            <a:r>
+              <a:rPr lang="en-US" altLang="ko-KR" sz="2000" dirty="0"/>
+              <a:t>]</a:t>
+            </a:r>
+          </a:p>
+          <a:p>
+            <a:r>
+              <a:rPr lang="en-US" altLang="ko-KR" sz="2000" dirty="0"/>
+              <a:t>An analysis approach for building collapse accident using system thinking approach and SEA model – </a:t>
+            </a:r>
+            <a:r>
+              <a:rPr lang="ko-KR" altLang="en-US" sz="2000" dirty="0"/>
+              <a:t>건물 붕괴에 대해 시스템적 접근 </a:t>
+            </a:r>
+            <a:r>
+              <a:rPr lang="en-US" altLang="ko-KR" sz="2000" dirty="0"/>
+              <a:t>[</a:t>
+            </a:r>
+            <a:r>
+              <a:rPr lang="ko-KR" altLang="en-US" sz="2000" dirty="0"/>
+              <a:t>참조 </a:t>
+            </a:r>
+            <a:r>
+              <a:rPr lang="en-US" altLang="ko-KR" sz="2000" dirty="0"/>
+              <a:t>: </a:t>
+            </a:r>
+            <a:r>
+              <a:rPr lang="en-US" altLang="ko-KR" sz="2000" dirty="0">
+                <a:hlinkClick r:id="rId3"/>
+              </a:rPr>
+              <a:t>https://www.researchgate.net/publication/373863851_An_analysis_approach_for_building_collapse_accident_using_system_thinking_approach_and_SEA_model</a:t>
+            </a:r>
+            <a:r>
+              <a:rPr lang="en-US" altLang="ko-KR" sz="2000" dirty="0"/>
+              <a:t>]</a:t>
+            </a:r>
+          </a:p>
+          <a:p>
+            <a:r>
+              <a:rPr lang="ko-KR" altLang="en-US" sz="2000" dirty="0"/>
+              <a:t>국내 재난 </a:t>
+            </a:r>
+            <a:r>
+              <a:rPr lang="ko-KR" altLang="en-US" sz="2000" dirty="0" err="1"/>
+              <a:t>예경보</a:t>
+            </a:r>
+            <a:r>
+              <a:rPr lang="ko-KR" altLang="en-US" sz="2000" dirty="0"/>
+              <a:t> 시스템 현황 및 통합 방안에 대한 분석 연구 </a:t>
+            </a:r>
+            <a:r>
+              <a:rPr lang="en-US" altLang="ko-KR" sz="2000" dirty="0"/>
+              <a:t>[</a:t>
+            </a:r>
+            <a:r>
+              <a:rPr lang="ko-KR" altLang="en-US" sz="2000" dirty="0"/>
+              <a:t>참조 </a:t>
+            </a:r>
+            <a:r>
+              <a:rPr lang="en-US" altLang="ko-KR" sz="2000" dirty="0"/>
+              <a:t>: </a:t>
+            </a:r>
+            <a:r>
+              <a:rPr lang="en-US" altLang="ko-KR" sz="2000" dirty="0">
+                <a:hlinkClick r:id="rId4"/>
+              </a:rPr>
+              <a:t>https://scienceon.kisti.re.kr/commons/util/originalView.do?cn=JAKO202205351257003&amp;oCn=JAKO202205351257003&amp;dbt=JAKO&amp;journal=NJOU00291434</a:t>
+            </a:r>
+            <a:r>
+              <a:rPr lang="en-US" altLang="ko-KR" sz="2000" dirty="0"/>
+              <a:t>]</a:t>
+            </a:r>
+          </a:p>
+          <a:p>
+            <a:endParaRPr lang="en-US" altLang="ko-KR" sz="2000" dirty="0"/>
+          </a:p>
+          <a:p>
+            <a:endParaRPr lang="en-US" altLang="ko-KR" sz="2000" dirty="0"/>
+          </a:p>
+        </p:txBody>
+      </p:sp>
+    </p:spTree>
+    <p:extLst>
+      <p:ext uri="{BB962C8B-B14F-4D97-AF65-F5344CB8AC3E}">
+        <p14:creationId xmlns:p14="http://schemas.microsoft.com/office/powerpoint/2010/main" val="2282704894"/>
+      </p:ext>
+    </p:extLst>
+  </p:cSld>
+  <p:clrMapOvr>
+    <a:masterClrMapping/>
+  </p:clrMapOvr>
+</p:sld>
+</file>
+
+<file path=ppt/slides/slide7.xml><?xml version="1.0" encoding="utf-8"?>
 <p:sld xmlns:a="http://schemas.openxmlformats.org/drawingml/2006/main" xmlns:r="http://schemas.openxmlformats.org/officeDocument/2006/relationships" xmlns:p="http://schemas.openxmlformats.org/presentationml/2006/main">
   <p:cSld>
     <p:spTree>
